--- a/BigData_project02_neo4j.pptx
+++ b/BigData_project02_neo4j.pptx
@@ -7,23 +7,24 @@
     <p:sldMasterId id="2147484355" r:id="rId3"/>
   </p:sldMasterIdLst>
   <p:notesMasterIdLst>
-    <p:notesMasterId r:id="rId15"/>
+    <p:notesMasterId r:id="rId16"/>
   </p:notesMasterIdLst>
   <p:handoutMasterIdLst>
-    <p:handoutMasterId r:id="rId16"/>
+    <p:handoutMasterId r:id="rId17"/>
   </p:handoutMasterIdLst>
   <p:sldIdLst>
     <p:sldId id="259" r:id="rId4"/>
     <p:sldId id="271" r:id="rId5"/>
     <p:sldId id="263" r:id="rId6"/>
-    <p:sldId id="264" r:id="rId7"/>
-    <p:sldId id="265" r:id="rId8"/>
-    <p:sldId id="266" r:id="rId9"/>
-    <p:sldId id="267" r:id="rId10"/>
-    <p:sldId id="268" r:id="rId11"/>
-    <p:sldId id="269" r:id="rId12"/>
-    <p:sldId id="270" r:id="rId13"/>
-    <p:sldId id="272" r:id="rId14"/>
+    <p:sldId id="273" r:id="rId7"/>
+    <p:sldId id="264" r:id="rId8"/>
+    <p:sldId id="265" r:id="rId9"/>
+    <p:sldId id="266" r:id="rId10"/>
+    <p:sldId id="267" r:id="rId11"/>
+    <p:sldId id="268" r:id="rId12"/>
+    <p:sldId id="269" r:id="rId13"/>
+    <p:sldId id="270" r:id="rId14"/>
+    <p:sldId id="272" r:id="rId15"/>
   </p:sldIdLst>
   <p:sldSz cx="12192000" cy="6858000"/>
   <p:notesSz cx="6858000" cy="9144000"/>
@@ -122,6 +123,11 @@
       </a:defRPr>
     </a:lvl9pPr>
   </p:defaultTextStyle>
+  <p:extLst>
+    <p:ext uri="{EFAFB233-063F-42B5-8137-9DF3F51BA10A}">
+      <p15:sldGuideLst xmlns:p15="http://schemas.microsoft.com/office/powerpoint/2012/main"/>
+    </p:ext>
+  </p:extLst>
 </p:presentation>
 </file>
 
@@ -12709,26 +12715,26 @@
           </a:xfrm>
         </p:spPr>
         <p:txBody>
-          <a:bodyPr vert="horz" lIns="91440" tIns="45720" rIns="91440" bIns="45720" rtlCol="0" anchor="t">
-            <a:normAutofit/>
+          <a:bodyPr vert="horz" lIns="91440" tIns="45720" rIns="91440" bIns="45720" rtlCol="0" anchor="b">
+            <a:normAutofit fontScale="90000"/>
           </a:bodyPr>
           <a:lstStyle/>
           <a:p>
             <a:r>
-              <a:rPr lang="en-US" altLang="zh-CN" sz="3600" b="1" dirty="0">
+              <a:rPr lang="en-US" altLang="zh-CN" sz="4000" b="1" dirty="0">
                 <a:latin typeface="Arial" panose="020B0604020202020204" pitchFamily="34" charset="0"/>
                 <a:cs typeface="Arial" panose="020B0604020202020204" pitchFamily="34" charset="0"/>
               </a:rPr>
-              <a:t>Quetsions-5: </a:t>
-            </a:r>
-            <a:r>
-              <a:rPr lang="en-US" altLang="zh-CN" sz="3600" dirty="0">
+              <a:t>Quetsions-4: </a:t>
+            </a:r>
+            <a:r>
+              <a:rPr lang="en-US" altLang="zh-CN" sz="4000" dirty="0">
                 <a:latin typeface="Arial" panose="020B0604020202020204" pitchFamily="34" charset="0"/>
                 <a:cs typeface="Arial" panose="020B0604020202020204" pitchFamily="34" charset="0"/>
               </a:rPr>
-              <a:t>Categorize Drivers </a:t>
-            </a:r>
-            <a:endParaRPr lang="en-US" altLang="zh-CN" sz="3600" b="1" dirty="0">
+              <a:t>link prediction between driver and constructor.</a:t>
+            </a:r>
+            <a:endParaRPr lang="en-US" altLang="zh-CN" sz="4000" b="1" dirty="0">
               <a:latin typeface="Arial" panose="020B0604020202020204" pitchFamily="34" charset="0"/>
               <a:cs typeface="Arial" panose="020B0604020202020204" pitchFamily="34" charset="0"/>
             </a:endParaRPr>
@@ -12753,8 +12759,8 @@
         </p:nvSpPr>
         <p:spPr>
           <a:xfrm>
-            <a:off x="845127" y="1154430"/>
-            <a:ext cx="8891234" cy="5025707"/>
+            <a:off x="845127" y="1520190"/>
+            <a:ext cx="8891234" cy="4659947"/>
           </a:xfrm>
         </p:spPr>
         <p:txBody>
@@ -12786,7 +12792,18 @@
                 <a:latin typeface="Arial" panose="020B0604020202020204" pitchFamily="34" charset="0"/>
                 <a:cs typeface="Arial" panose="020B0604020202020204" pitchFamily="34" charset="0"/>
               </a:rPr>
-              <a:t>Python, (neo4j+graphdatascience)</a:t>
+              <a:t>Neo4j Demo (</a:t>
+            </a:r>
+            <a:r>
+              <a:rPr lang="en-US" altLang="zh-CN" dirty="0"/>
+              <a:t>Heterogeneous nodes link prediction</a:t>
+            </a:r>
+            <a:r>
+              <a:rPr lang="en-US" altLang="zh-CN" dirty="0">
+                <a:latin typeface="Arial" panose="020B0604020202020204" pitchFamily="34" charset="0"/>
+                <a:cs typeface="Arial" panose="020B0604020202020204" pitchFamily="34" charset="0"/>
+              </a:rPr>
+              <a:t>) </a:t>
             </a:r>
           </a:p>
           <a:p>
@@ -12795,109 +12812,6 @@
                 <a:spcPct val="100000"/>
               </a:lnSpc>
             </a:pPr>
-            <a:r>
-              <a:rPr lang="en-US" altLang="zh-CN" dirty="0">
-                <a:latin typeface="Arial" panose="020B0604020202020204" pitchFamily="34" charset="0"/>
-                <a:cs typeface="Arial" panose="020B0604020202020204" pitchFamily="34" charset="0"/>
-              </a:rPr>
-              <a:t>Steps:</a:t>
-            </a:r>
-          </a:p>
-          <a:p>
-            <a:pPr marL="1371600" lvl="2" indent="-457200">
-              <a:lnSpc>
-                <a:spcPct val="100000"/>
-              </a:lnSpc>
-              <a:buFont typeface="+mj-lt"/>
-              <a:buAutoNum type="arabicPeriod"/>
-            </a:pPr>
-            <a:r>
-              <a:rPr lang="en-US" altLang="zh-CN" dirty="0">
-                <a:latin typeface="Arial" panose="020B0604020202020204" pitchFamily="34" charset="0"/>
-                <a:cs typeface="Arial" panose="020B0604020202020204" pitchFamily="34" charset="0"/>
-              </a:rPr>
-              <a:t>Install packages</a:t>
-            </a:r>
-          </a:p>
-          <a:p>
-            <a:pPr marL="1371600" lvl="2" indent="-457200">
-              <a:lnSpc>
-                <a:spcPct val="100000"/>
-              </a:lnSpc>
-              <a:buFont typeface="+mj-lt"/>
-              <a:buAutoNum type="arabicPeriod"/>
-            </a:pPr>
-            <a:r>
-              <a:rPr lang="en-US" altLang="zh-CN" dirty="0">
-                <a:latin typeface="Arial" panose="020B0604020202020204" pitchFamily="34" charset="0"/>
-                <a:cs typeface="Arial" panose="020B0604020202020204" pitchFamily="34" charset="0"/>
-              </a:rPr>
-              <a:t>Establish Connection</a:t>
-            </a:r>
-          </a:p>
-          <a:p>
-            <a:pPr marL="1371600" lvl="2" indent="-457200">
-              <a:lnSpc>
-                <a:spcPct val="100000"/>
-              </a:lnSpc>
-              <a:buFont typeface="+mj-lt"/>
-              <a:buAutoNum type="arabicPeriod"/>
-            </a:pPr>
-            <a:r>
-              <a:rPr lang="en-US" altLang="zh-CN" dirty="0">
-                <a:latin typeface="Arial" panose="020B0604020202020204" pitchFamily="34" charset="0"/>
-                <a:cs typeface="Arial" panose="020B0604020202020204" pitchFamily="34" charset="0"/>
-              </a:rPr>
-              <a:t>Define cypher script</a:t>
-            </a:r>
-          </a:p>
-          <a:p>
-            <a:pPr marL="1371600" lvl="2" indent="-457200">
-              <a:lnSpc>
-                <a:spcPct val="100000"/>
-              </a:lnSpc>
-              <a:buFont typeface="+mj-lt"/>
-              <a:buAutoNum type="arabicPeriod"/>
-            </a:pPr>
-            <a:r>
-              <a:rPr lang="en-US" altLang="zh-CN" dirty="0">
-                <a:latin typeface="Arial" panose="020B0604020202020204" pitchFamily="34" charset="0"/>
-                <a:cs typeface="Arial" panose="020B0604020202020204" pitchFamily="34" charset="0"/>
-              </a:rPr>
-              <a:t>Run script and return data</a:t>
-            </a:r>
-          </a:p>
-          <a:p>
-            <a:pPr lvl="1">
-              <a:lnSpc>
-                <a:spcPct val="100000"/>
-              </a:lnSpc>
-            </a:pPr>
-            <a:endParaRPr lang="en-US" altLang="zh-CN" dirty="0">
-              <a:latin typeface="Arial" panose="020B0604020202020204" pitchFamily="34" charset="0"/>
-              <a:cs typeface="Arial" panose="020B0604020202020204" pitchFamily="34" charset="0"/>
-            </a:endParaRPr>
-          </a:p>
-          <a:p>
-            <a:pPr lvl="1">
-              <a:lnSpc>
-                <a:spcPct val="100000"/>
-              </a:lnSpc>
-            </a:pPr>
-            <a:r>
-              <a:rPr lang="en-US" altLang="zh-CN" dirty="0" err="1">
-                <a:latin typeface="Arial" panose="020B0604020202020204" pitchFamily="34" charset="0"/>
-                <a:cs typeface="Arial" panose="020B0604020202020204" pitchFamily="34" charset="0"/>
-              </a:rPr>
-              <a:t>Jupyter</a:t>
-            </a:r>
-            <a:r>
-              <a:rPr lang="en-US" altLang="zh-CN" dirty="0">
-                <a:latin typeface="Arial" panose="020B0604020202020204" pitchFamily="34" charset="0"/>
-                <a:cs typeface="Arial" panose="020B0604020202020204" pitchFamily="34" charset="0"/>
-              </a:rPr>
-              <a:t> Note Demo</a:t>
-            </a:r>
             <a:endParaRPr lang="zh-CN" altLang="en-US" dirty="0">
               <a:latin typeface="Arial" panose="020B0604020202020204" pitchFamily="34" charset="0"/>
               <a:cs typeface="Arial" panose="020B0604020202020204" pitchFamily="34" charset="0"/>
@@ -12979,12 +12893,42 @@
           </a:effectLst>
         </p:spPr>
       </p:pic>
-      <p:sp>
-        <p:nvSpPr>
-          <p:cNvPr id="4" name="灯片编号占位符 3">
+      <p:pic>
+        <p:nvPicPr>
+          <p:cNvPr id="5" name="图片 4">
             <a:extLst>
               <a:ext uri="{FF2B5EF4-FFF2-40B4-BE49-F238E27FC236}">
-                <a16:creationId xmlns:a16="http://schemas.microsoft.com/office/drawing/2014/main" id="{34D95F72-57BC-AFEB-8127-E68128A97FE0}"/>
+                <a16:creationId xmlns:a16="http://schemas.microsoft.com/office/drawing/2014/main" id="{BC0EFB3A-A2BA-5C73-D8B6-57FC96226A79}"/>
+              </a:ext>
+            </a:extLst>
+          </p:cNvPr>
+          <p:cNvPicPr>
+            <a:picLocks noChangeAspect="1"/>
+          </p:cNvPicPr>
+          <p:nvPr/>
+        </p:nvPicPr>
+        <p:blipFill>
+          <a:blip r:embed="rId3"/>
+          <a:stretch>
+            <a:fillRect/>
+          </a:stretch>
+        </p:blipFill>
+        <p:spPr>
+          <a:xfrm>
+            <a:off x="845127" y="2575056"/>
+            <a:ext cx="7435042" cy="3917184"/>
+          </a:xfrm>
+          <a:prstGeom prst="rect">
+            <a:avLst/>
+          </a:prstGeom>
+        </p:spPr>
+      </p:pic>
+      <p:sp>
+        <p:nvSpPr>
+          <p:cNvPr id="6" name="灯片编号占位符 5">
+            <a:extLst>
+              <a:ext uri="{FF2B5EF4-FFF2-40B4-BE49-F238E27FC236}">
+                <a16:creationId xmlns:a16="http://schemas.microsoft.com/office/drawing/2014/main" id="{02CA0CA1-F4F3-7FA5-8EA4-A7FB963F7C6E}"/>
               </a:ext>
             </a:extLst>
           </p:cNvPr>
@@ -13010,6 +12954,603 @@
               </a:rPr>
               <a:pPr/>
               <a:t>10</a:t>
+            </a:fld>
+            <a:endParaRPr lang="en-US" sz="2400" b="1" dirty="0">
+              <a:solidFill>
+                <a:schemeClr val="tx1"/>
+              </a:solidFill>
+              <a:latin typeface="Arial" panose="020B0604020202020204" pitchFamily="34" charset="0"/>
+              <a:cs typeface="Arial" panose="020B0604020202020204" pitchFamily="34" charset="0"/>
+            </a:endParaRPr>
+          </a:p>
+        </p:txBody>
+      </p:sp>
+    </p:spTree>
+    <p:extLst>
+      <p:ext uri="{BB962C8B-B14F-4D97-AF65-F5344CB8AC3E}">
+        <p14:creationId xmlns:p14="http://schemas.microsoft.com/office/powerpoint/2010/main" val="2945089763"/>
+      </p:ext>
+    </p:extLst>
+  </p:cSld>
+  <p:clrMapOvr>
+    <a:masterClrMapping/>
+  </p:clrMapOvr>
+  <p:timing>
+    <p:tnLst>
+      <p:par>
+        <p:cTn id="1" dur="indefinite" restart="never" nodeType="tmRoot">
+          <p:childTnLst>
+            <p:seq concurrent="1" nextAc="seek">
+              <p:cTn id="2" dur="indefinite" nodeType="mainSeq">
+                <p:childTnLst>
+                  <p:par>
+                    <p:cTn id="3" fill="hold">
+                      <p:stCondLst>
+                        <p:cond delay="indefinite"/>
+                        <p:cond evt="onBegin" delay="0">
+                          <p:tn val="2"/>
+                        </p:cond>
+                      </p:stCondLst>
+                      <p:childTnLst>
+                        <p:par>
+                          <p:cTn id="4" fill="hold">
+                            <p:stCondLst>
+                              <p:cond delay="0"/>
+                            </p:stCondLst>
+                            <p:childTnLst>
+                              <p:par>
+                                <p:cTn id="5" presetID="10" presetClass="entr" presetSubtype="0" fill="hold" grpId="0" nodeType="withEffect">
+                                  <p:stCondLst>
+                                    <p:cond delay="1000"/>
+                                  </p:stCondLst>
+                                  <p:iterate>
+                                    <p:tmPct val="10000"/>
+                                  </p:iterate>
+                                  <p:childTnLst>
+                                    <p:set>
+                                      <p:cBhvr>
+                                        <p:cTn id="6" dur="1" fill="hold">
+                                          <p:stCondLst>
+                                            <p:cond delay="0"/>
+                                          </p:stCondLst>
+                                        </p:cTn>
+                                        <p:tgtEl>
+                                          <p:spTgt spid="2"/>
+                                        </p:tgtEl>
+                                        <p:attrNameLst>
+                                          <p:attrName>style.visibility</p:attrName>
+                                        </p:attrNameLst>
+                                      </p:cBhvr>
+                                      <p:to>
+                                        <p:strVal val="visible"/>
+                                      </p:to>
+                                    </p:set>
+                                    <p:animEffect transition="in" filter="fade">
+                                      <p:cBhvr>
+                                        <p:cTn id="7" dur="700"/>
+                                        <p:tgtEl>
+                                          <p:spTgt spid="2"/>
+                                        </p:tgtEl>
+                                      </p:cBhvr>
+                                    </p:animEffect>
+                                  </p:childTnLst>
+                                </p:cTn>
+                              </p:par>
+                            </p:childTnLst>
+                          </p:cTn>
+                        </p:par>
+                      </p:childTnLst>
+                    </p:cTn>
+                  </p:par>
+                  <p:par>
+                    <p:cTn id="8" fill="hold">
+                      <p:stCondLst>
+                        <p:cond delay="indefinite"/>
+                      </p:stCondLst>
+                      <p:childTnLst>
+                        <p:par>
+                          <p:cTn id="9" fill="hold">
+                            <p:stCondLst>
+                              <p:cond delay="0"/>
+                            </p:stCondLst>
+                            <p:childTnLst>
+                              <p:par>
+                                <p:cTn id="10" presetID="10" presetClass="entr" presetSubtype="0" fill="hold" grpId="0" nodeType="clickEffect">
+                                  <p:stCondLst>
+                                    <p:cond delay="0"/>
+                                  </p:stCondLst>
+                                  <p:childTnLst>
+                                    <p:set>
+                                      <p:cBhvr>
+                                        <p:cTn id="11" dur="1" fill="hold">
+                                          <p:stCondLst>
+                                            <p:cond delay="0"/>
+                                          </p:stCondLst>
+                                        </p:cTn>
+                                        <p:tgtEl>
+                                          <p:spTgt spid="3">
+                                            <p:txEl>
+                                              <p:pRg st="1" end="1"/>
+                                            </p:txEl>
+                                          </p:spTgt>
+                                        </p:tgtEl>
+                                        <p:attrNameLst>
+                                          <p:attrName>style.visibility</p:attrName>
+                                        </p:attrNameLst>
+                                      </p:cBhvr>
+                                      <p:to>
+                                        <p:strVal val="visible"/>
+                                      </p:to>
+                                    </p:set>
+                                    <p:animEffect transition="in" filter="fade">
+                                      <p:cBhvr>
+                                        <p:cTn id="12" dur="500"/>
+                                        <p:tgtEl>
+                                          <p:spTgt spid="3">
+                                            <p:txEl>
+                                              <p:pRg st="1" end="1"/>
+                                            </p:txEl>
+                                          </p:spTgt>
+                                        </p:tgtEl>
+                                      </p:cBhvr>
+                                    </p:animEffect>
+                                  </p:childTnLst>
+                                </p:cTn>
+                              </p:par>
+                            </p:childTnLst>
+                          </p:cTn>
+                        </p:par>
+                      </p:childTnLst>
+                    </p:cTn>
+                  </p:par>
+                  <p:par>
+                    <p:cTn id="13" fill="hold">
+                      <p:stCondLst>
+                        <p:cond delay="indefinite"/>
+                      </p:stCondLst>
+                      <p:childTnLst>
+                        <p:par>
+                          <p:cTn id="14" fill="hold">
+                            <p:stCondLst>
+                              <p:cond delay="0"/>
+                            </p:stCondLst>
+                            <p:childTnLst>
+                              <p:par>
+                                <p:cTn id="15" presetID="10" presetClass="entr" presetSubtype="0" fill="hold" nodeType="clickEffect">
+                                  <p:stCondLst>
+                                    <p:cond delay="0"/>
+                                  </p:stCondLst>
+                                  <p:childTnLst>
+                                    <p:set>
+                                      <p:cBhvr>
+                                        <p:cTn id="16" dur="1" fill="hold">
+                                          <p:stCondLst>
+                                            <p:cond delay="0"/>
+                                          </p:stCondLst>
+                                        </p:cTn>
+                                        <p:tgtEl>
+                                          <p:spTgt spid="5"/>
+                                        </p:tgtEl>
+                                        <p:attrNameLst>
+                                          <p:attrName>style.visibility</p:attrName>
+                                        </p:attrNameLst>
+                                      </p:cBhvr>
+                                      <p:to>
+                                        <p:strVal val="visible"/>
+                                      </p:to>
+                                    </p:set>
+                                    <p:animEffect transition="in" filter="fade">
+                                      <p:cBhvr>
+                                        <p:cTn id="17" dur="500"/>
+                                        <p:tgtEl>
+                                          <p:spTgt spid="5"/>
+                                        </p:tgtEl>
+                                      </p:cBhvr>
+                                    </p:animEffect>
+                                  </p:childTnLst>
+                                </p:cTn>
+                              </p:par>
+                            </p:childTnLst>
+                          </p:cTn>
+                        </p:par>
+                      </p:childTnLst>
+                    </p:cTn>
+                  </p:par>
+                </p:childTnLst>
+              </p:cTn>
+              <p:prevCondLst>
+                <p:cond evt="onPrev" delay="0">
+                  <p:tgtEl>
+                    <p:sldTgt/>
+                  </p:tgtEl>
+                </p:cond>
+              </p:prevCondLst>
+              <p:nextCondLst>
+                <p:cond evt="onNext" delay="0">
+                  <p:tgtEl>
+                    <p:sldTgt/>
+                  </p:tgtEl>
+                </p:cond>
+              </p:nextCondLst>
+            </p:seq>
+          </p:childTnLst>
+        </p:cTn>
+      </p:par>
+    </p:tnLst>
+    <p:bldLst>
+      <p:bldP spid="2" grpId="0"/>
+      <p:bldP spid="3" grpId="0" build="p"/>
+    </p:bldLst>
+  </p:timing>
+</p:sld>
+</file>
+
+<file path=ppt/slides/slide11.xml><?xml version="1.0" encoding="utf-8"?>
+<p:sld xmlns:a="http://schemas.openxmlformats.org/drawingml/2006/main" xmlns:r="http://schemas.openxmlformats.org/officeDocument/2006/relationships" xmlns:p="http://schemas.openxmlformats.org/presentationml/2006/main">
+  <p:cSld>
+    <p:bg>
+      <p:bgPr>
+        <a:gradFill>
+          <a:gsLst>
+            <a:gs pos="10000">
+              <a:schemeClr val="bg2">
+                <a:tint val="97000"/>
+                <a:hueMod val="92000"/>
+                <a:satMod val="169000"/>
+                <a:lumMod val="164000"/>
+              </a:schemeClr>
+            </a:gs>
+            <a:gs pos="100000">
+              <a:schemeClr val="bg2">
+                <a:shade val="96000"/>
+                <a:satMod val="120000"/>
+                <a:lumMod val="90000"/>
+              </a:schemeClr>
+            </a:gs>
+          </a:gsLst>
+          <a:lin ang="6120000" scaled="1"/>
+        </a:gradFill>
+        <a:effectLst/>
+      </p:bgPr>
+    </p:bg>
+    <p:spTree>
+      <p:nvGrpSpPr>
+        <p:cNvPr id="1" name=""/>
+        <p:cNvGrpSpPr/>
+        <p:nvPr/>
+      </p:nvGrpSpPr>
+      <p:grpSpPr>
+        <a:xfrm>
+          <a:off x="0" y="0"/>
+          <a:ext cx="0" cy="0"/>
+          <a:chOff x="0" y="0"/>
+          <a:chExt cx="0" cy="0"/>
+        </a:xfrm>
+      </p:grpSpPr>
+      <p:sp>
+        <p:nvSpPr>
+          <p:cNvPr id="2" name="标题 1">
+            <a:extLst>
+              <a:ext uri="{FF2B5EF4-FFF2-40B4-BE49-F238E27FC236}">
+                <a16:creationId xmlns:a16="http://schemas.microsoft.com/office/drawing/2014/main" id="{13E67E0E-13CE-C2E4-6A8D-03FC7CD47C2F}"/>
+              </a:ext>
+            </a:extLst>
+          </p:cNvPr>
+          <p:cNvSpPr>
+            <a:spLocks noGrp="1"/>
+          </p:cNvSpPr>
+          <p:nvPr>
+            <p:ph type="title"/>
+          </p:nvPr>
+        </p:nvSpPr>
+        <p:spPr>
+          <a:xfrm>
+            <a:off x="845127" y="365760"/>
+            <a:ext cx="10515600" cy="1154430"/>
+          </a:xfrm>
+        </p:spPr>
+        <p:txBody>
+          <a:bodyPr vert="horz" lIns="91440" tIns="45720" rIns="91440" bIns="45720" rtlCol="0" anchor="t">
+            <a:normAutofit/>
+          </a:bodyPr>
+          <a:lstStyle/>
+          <a:p>
+            <a:r>
+              <a:rPr lang="en-US" altLang="zh-CN" sz="3600" b="1" dirty="0">
+                <a:latin typeface="Arial" panose="020B0604020202020204" pitchFamily="34" charset="0"/>
+                <a:cs typeface="Arial" panose="020B0604020202020204" pitchFamily="34" charset="0"/>
+              </a:rPr>
+              <a:t>Quetsions-5: </a:t>
+            </a:r>
+            <a:r>
+              <a:rPr lang="en-US" altLang="zh-CN" sz="3600" dirty="0">
+                <a:latin typeface="Arial" panose="020B0604020202020204" pitchFamily="34" charset="0"/>
+                <a:cs typeface="Arial" panose="020B0604020202020204" pitchFamily="34" charset="0"/>
+              </a:rPr>
+              <a:t>Categorize Drivers </a:t>
+            </a:r>
+            <a:endParaRPr lang="en-US" altLang="zh-CN" sz="3600" b="1" dirty="0">
+              <a:latin typeface="Arial" panose="020B0604020202020204" pitchFamily="34" charset="0"/>
+              <a:cs typeface="Arial" panose="020B0604020202020204" pitchFamily="34" charset="0"/>
+            </a:endParaRPr>
+          </a:p>
+        </p:txBody>
+      </p:sp>
+      <p:sp>
+        <p:nvSpPr>
+          <p:cNvPr id="3" name="内容占位符 2">
+            <a:extLst>
+              <a:ext uri="{FF2B5EF4-FFF2-40B4-BE49-F238E27FC236}">
+                <a16:creationId xmlns:a16="http://schemas.microsoft.com/office/drawing/2014/main" id="{99DADAB8-A93C-6E96-FF8E-9D26524DA39E}"/>
+              </a:ext>
+            </a:extLst>
+          </p:cNvPr>
+          <p:cNvSpPr>
+            <a:spLocks noGrp="1"/>
+          </p:cNvSpPr>
+          <p:nvPr>
+            <p:ph idx="1"/>
+          </p:nvPr>
+        </p:nvSpPr>
+        <p:spPr>
+          <a:xfrm>
+            <a:off x="845127" y="1154430"/>
+            <a:ext cx="8891234" cy="5025707"/>
+          </a:xfrm>
+        </p:spPr>
+        <p:txBody>
+          <a:bodyPr>
+            <a:normAutofit/>
+          </a:bodyPr>
+          <a:lstStyle/>
+          <a:p>
+            <a:pPr marL="914400" lvl="1" indent="-457200">
+              <a:lnSpc>
+                <a:spcPct val="100000"/>
+              </a:lnSpc>
+              <a:buFont typeface="+mj-lt"/>
+              <a:buAutoNum type="arabicPeriod"/>
+            </a:pPr>
+            <a:endParaRPr lang="en-US" altLang="zh-CN" dirty="0">
+              <a:latin typeface="Arial" panose="020B0604020202020204" pitchFamily="34" charset="0"/>
+              <a:cs typeface="Arial" panose="020B0604020202020204" pitchFamily="34" charset="0"/>
+            </a:endParaRPr>
+          </a:p>
+          <a:p>
+            <a:pPr lvl="1">
+              <a:lnSpc>
+                <a:spcPct val="100000"/>
+              </a:lnSpc>
+            </a:pPr>
+            <a:r>
+              <a:rPr lang="en-US" altLang="zh-CN" dirty="0">
+                <a:latin typeface="Arial" panose="020B0604020202020204" pitchFamily="34" charset="0"/>
+                <a:cs typeface="Arial" panose="020B0604020202020204" pitchFamily="34" charset="0"/>
+              </a:rPr>
+              <a:t>Python, (neo4j+graphdatascience)</a:t>
+            </a:r>
+          </a:p>
+          <a:p>
+            <a:pPr lvl="1">
+              <a:lnSpc>
+                <a:spcPct val="100000"/>
+              </a:lnSpc>
+            </a:pPr>
+            <a:r>
+              <a:rPr lang="en-US" altLang="zh-CN" dirty="0">
+                <a:latin typeface="Arial" panose="020B0604020202020204" pitchFamily="34" charset="0"/>
+                <a:cs typeface="Arial" panose="020B0604020202020204" pitchFamily="34" charset="0"/>
+              </a:rPr>
+              <a:t>Steps:</a:t>
+            </a:r>
+          </a:p>
+          <a:p>
+            <a:pPr marL="1371600" lvl="2" indent="-457200">
+              <a:lnSpc>
+                <a:spcPct val="100000"/>
+              </a:lnSpc>
+              <a:buFont typeface="+mj-lt"/>
+              <a:buAutoNum type="arabicPeriod"/>
+            </a:pPr>
+            <a:r>
+              <a:rPr lang="en-US" altLang="zh-CN" dirty="0">
+                <a:latin typeface="Arial" panose="020B0604020202020204" pitchFamily="34" charset="0"/>
+                <a:cs typeface="Arial" panose="020B0604020202020204" pitchFamily="34" charset="0"/>
+              </a:rPr>
+              <a:t>Install packages</a:t>
+            </a:r>
+          </a:p>
+          <a:p>
+            <a:pPr marL="1371600" lvl="2" indent="-457200">
+              <a:lnSpc>
+                <a:spcPct val="100000"/>
+              </a:lnSpc>
+              <a:buFont typeface="+mj-lt"/>
+              <a:buAutoNum type="arabicPeriod"/>
+            </a:pPr>
+            <a:r>
+              <a:rPr lang="en-US" altLang="zh-CN" dirty="0">
+                <a:latin typeface="Arial" panose="020B0604020202020204" pitchFamily="34" charset="0"/>
+                <a:cs typeface="Arial" panose="020B0604020202020204" pitchFamily="34" charset="0"/>
+              </a:rPr>
+              <a:t>Establish Connection</a:t>
+            </a:r>
+          </a:p>
+          <a:p>
+            <a:pPr marL="1371600" lvl="2" indent="-457200">
+              <a:lnSpc>
+                <a:spcPct val="100000"/>
+              </a:lnSpc>
+              <a:buFont typeface="+mj-lt"/>
+              <a:buAutoNum type="arabicPeriod"/>
+            </a:pPr>
+            <a:r>
+              <a:rPr lang="en-US" altLang="zh-CN" dirty="0">
+                <a:latin typeface="Arial" panose="020B0604020202020204" pitchFamily="34" charset="0"/>
+                <a:cs typeface="Arial" panose="020B0604020202020204" pitchFamily="34" charset="0"/>
+              </a:rPr>
+              <a:t>Define cypher script</a:t>
+            </a:r>
+          </a:p>
+          <a:p>
+            <a:pPr marL="1371600" lvl="2" indent="-457200">
+              <a:lnSpc>
+                <a:spcPct val="100000"/>
+              </a:lnSpc>
+              <a:buFont typeface="+mj-lt"/>
+              <a:buAutoNum type="arabicPeriod"/>
+            </a:pPr>
+            <a:r>
+              <a:rPr lang="en-US" altLang="zh-CN" dirty="0">
+                <a:latin typeface="Arial" panose="020B0604020202020204" pitchFamily="34" charset="0"/>
+                <a:cs typeface="Arial" panose="020B0604020202020204" pitchFamily="34" charset="0"/>
+              </a:rPr>
+              <a:t>Run script and return data</a:t>
+            </a:r>
+          </a:p>
+          <a:p>
+            <a:pPr lvl="1">
+              <a:lnSpc>
+                <a:spcPct val="100000"/>
+              </a:lnSpc>
+            </a:pPr>
+            <a:endParaRPr lang="en-US" altLang="zh-CN" dirty="0">
+              <a:latin typeface="Arial" panose="020B0604020202020204" pitchFamily="34" charset="0"/>
+              <a:cs typeface="Arial" panose="020B0604020202020204" pitchFamily="34" charset="0"/>
+            </a:endParaRPr>
+          </a:p>
+          <a:p>
+            <a:pPr lvl="1">
+              <a:lnSpc>
+                <a:spcPct val="100000"/>
+              </a:lnSpc>
+            </a:pPr>
+            <a:r>
+              <a:rPr lang="en-US" altLang="zh-CN" dirty="0" err="1">
+                <a:latin typeface="Arial" panose="020B0604020202020204" pitchFamily="34" charset="0"/>
+                <a:cs typeface="Arial" panose="020B0604020202020204" pitchFamily="34" charset="0"/>
+              </a:rPr>
+              <a:t>Jupyter</a:t>
+            </a:r>
+            <a:r>
+              <a:rPr lang="en-US" altLang="zh-CN" dirty="0">
+                <a:latin typeface="Arial" panose="020B0604020202020204" pitchFamily="34" charset="0"/>
+                <a:cs typeface="Arial" panose="020B0604020202020204" pitchFamily="34" charset="0"/>
+              </a:rPr>
+              <a:t> Note Demo</a:t>
+            </a:r>
+            <a:endParaRPr lang="zh-CN" altLang="en-US" dirty="0">
+              <a:latin typeface="Arial" panose="020B0604020202020204" pitchFamily="34" charset="0"/>
+              <a:cs typeface="Arial" panose="020B0604020202020204" pitchFamily="34" charset="0"/>
+            </a:endParaRPr>
+          </a:p>
+        </p:txBody>
+      </p:sp>
+      <p:pic>
+        <p:nvPicPr>
+          <p:cNvPr id="76" name="Picture 53" descr="Racecar parked on the tracks">
+            <a:extLst>
+              <a:ext uri="{FF2B5EF4-FFF2-40B4-BE49-F238E27FC236}">
+                <a16:creationId xmlns:a16="http://schemas.microsoft.com/office/drawing/2014/main" id="{D9CB1C28-9F3E-0ECD-C58F-03AA5954E124}"/>
+              </a:ext>
+            </a:extLst>
+          </p:cNvPr>
+          <p:cNvPicPr>
+            <a:picLocks noChangeAspect="1"/>
+          </p:cNvPicPr>
+          <p:nvPr/>
+        </p:nvPicPr>
+        <p:blipFill rotWithShape="1">
+          <a:blip r:embed="rId2">
+            <a:alphaModFix amt="68000"/>
+          </a:blip>
+          <a:srcRect l="4687" r="32700"/>
+          <a:stretch/>
+        </p:blipFill>
+        <p:spPr>
+          <a:xfrm>
+            <a:off x="9736361" y="3879049"/>
+            <a:ext cx="2264389" cy="2477301"/>
+          </a:xfrm>
+          <a:custGeom>
+            <a:avLst/>
+            <a:gdLst/>
+            <a:ahLst/>
+            <a:cxnLst/>
+            <a:rect l="l" t="t" r="r" b="b"/>
+            <a:pathLst>
+              <a:path w="3152439" h="3448851">
+                <a:moveTo>
+                  <a:pt x="409034" y="0"/>
+                </a:moveTo>
+                <a:lnTo>
+                  <a:pt x="3152439" y="0"/>
+                </a:lnTo>
+                <a:lnTo>
+                  <a:pt x="3152439" y="3032147"/>
+                </a:lnTo>
+                <a:lnTo>
+                  <a:pt x="2735735" y="3448851"/>
+                </a:lnTo>
+                <a:lnTo>
+                  <a:pt x="0" y="3448851"/>
+                </a:lnTo>
+                <a:lnTo>
+                  <a:pt x="0" y="409034"/>
+                </a:lnTo>
+                <a:close/>
+              </a:path>
+            </a:pathLst>
+          </a:custGeom>
+          <a:noFill/>
+          <a:ln w="15875">
+            <a:solidFill>
+              <a:srgbClr val="FFFFFF">
+                <a:alpha val="40000"/>
+              </a:srgbClr>
+            </a:solidFill>
+          </a:ln>
+          <a:effectLst>
+            <a:innerShdw blurRad="57150" dist="38100" dir="14460000">
+              <a:prstClr val="black">
+                <a:alpha val="70000"/>
+              </a:prstClr>
+            </a:innerShdw>
+            <a:softEdge rad="127000"/>
+          </a:effectLst>
+        </p:spPr>
+      </p:pic>
+      <p:sp>
+        <p:nvSpPr>
+          <p:cNvPr id="4" name="灯片编号占位符 3">
+            <a:extLst>
+              <a:ext uri="{FF2B5EF4-FFF2-40B4-BE49-F238E27FC236}">
+                <a16:creationId xmlns:a16="http://schemas.microsoft.com/office/drawing/2014/main" id="{34D95F72-57BC-AFEB-8127-E68128A97FE0}"/>
+              </a:ext>
+            </a:extLst>
+          </p:cNvPr>
+          <p:cNvSpPr>
+            <a:spLocks noGrp="1"/>
+          </p:cNvSpPr>
+          <p:nvPr>
+            <p:ph type="sldNum" sz="quarter" idx="12"/>
+          </p:nvPr>
+        </p:nvSpPr>
+        <p:spPr/>
+        <p:txBody>
+          <a:bodyPr vert="horz" lIns="91440" tIns="45720" rIns="91440" bIns="45720" rtlCol="0" anchor="ctr"/>
+          <a:lstStyle/>
+          <a:p>
+            <a:fld id="{49ABCAEC-7D34-E549-A96E-FCEDAADBE4B0}" type="slidenum">
+              <a:rPr lang="en-US" sz="2400" b="1" smtClean="0">
+                <a:solidFill>
+                  <a:schemeClr val="tx1"/>
+                </a:solidFill>
+                <a:latin typeface="Arial" panose="020B0604020202020204" pitchFamily="34" charset="0"/>
+                <a:cs typeface="Arial" panose="020B0604020202020204" pitchFamily="34" charset="0"/>
+              </a:rPr>
+              <a:pPr/>
+              <a:t>11</a:t>
             </a:fld>
             <a:endParaRPr lang="en-US" sz="2400" b="1" dirty="0">
               <a:solidFill>
@@ -13464,7 +14005,7 @@
 </p:sld>
 </file>
 
-<file path=ppt/slides/slide11.xml><?xml version="1.0" encoding="utf-8"?>
+<file path=ppt/slides/slide12.xml><?xml version="1.0" encoding="utf-8"?>
 <p:sld xmlns:a="http://schemas.openxmlformats.org/drawingml/2006/main" xmlns:r="http://schemas.openxmlformats.org/officeDocument/2006/relationships" xmlns:p="http://schemas.openxmlformats.org/presentationml/2006/main">
   <p:cSld>
     <p:bg>
@@ -13749,7 +14290,7 @@
                 <a:cs typeface="Arial" panose="020B0604020202020204" pitchFamily="34" charset="0"/>
               </a:rPr>
               <a:pPr/>
-              <a:t>11</a:t>
+              <a:t>12</a:t>
             </a:fld>
             <a:endParaRPr lang="en-US" sz="2400" b="1" dirty="0">
               <a:solidFill>
@@ -14129,7 +14670,27 @@
             </a:pPr>
             <a:r>
               <a:rPr lang="en-US" altLang="zh-CN" dirty="0"/>
-              <a:t>Kevin</a:t>
+              <a:t>Tsz Kit Cheung (Kevin)</a:t>
+            </a:r>
+          </a:p>
+          <a:p>
+            <a:pPr marL="0" indent="0">
+              <a:lnSpc>
+                <a:spcPct val="100000"/>
+              </a:lnSpc>
+              <a:buNone/>
+            </a:pPr>
+            <a:r>
+              <a:rPr lang="en-US" altLang="zh-CN"/>
+              <a:t>    </a:t>
+            </a:r>
+            <a:r>
+              <a:rPr lang="en-US" altLang="zh-CN" sz="2400"/>
+              <a:t>A </a:t>
+            </a:r>
+            <a:r>
+              <a:rPr lang="en-US" altLang="zh-CN" sz="2400" dirty="0"/>
+              <a:t>F1 fan</a:t>
             </a:r>
           </a:p>
           <a:p>
@@ -14476,7 +15037,7 @@
                                         <p:tgtEl>
                                           <p:spTgt spid="3">
                                             <p:txEl>
-                                              <p:pRg st="2" end="2"/>
+                                              <p:pRg st="1" end="1"/>
                                             </p:txEl>
                                           </p:spTgt>
                                         </p:tgtEl>
@@ -14494,7 +15055,7 @@
                                         <p:tgtEl>
                                           <p:spTgt spid="3">
                                             <p:txEl>
-                                              <p:pRg st="2" end="2"/>
+                                              <p:pRg st="1" end="1"/>
                                             </p:txEl>
                                           </p:spTgt>
                                         </p:tgtEl>
@@ -14503,15 +15064,33 @@
                                   </p:childTnLst>
                                 </p:cTn>
                               </p:par>
+                            </p:childTnLst>
+                          </p:cTn>
+                        </p:par>
+                      </p:childTnLst>
+                    </p:cTn>
+                  </p:par>
+                  <p:par>
+                    <p:cTn id="18" fill="hold">
+                      <p:stCondLst>
+                        <p:cond delay="indefinite"/>
+                      </p:stCondLst>
+                      <p:childTnLst>
+                        <p:par>
+                          <p:cTn id="19" fill="hold">
+                            <p:stCondLst>
+                              <p:cond delay="0"/>
+                            </p:stCondLst>
+                            <p:childTnLst>
                               <p:par>
-                                <p:cTn id="18" presetID="10" presetClass="entr" presetSubtype="0" fill="hold" grpId="0" nodeType="withEffect">
+                                <p:cTn id="20" presetID="10" presetClass="entr" presetSubtype="0" fill="hold" grpId="0" nodeType="clickEffect">
                                   <p:stCondLst>
                                     <p:cond delay="0"/>
                                   </p:stCondLst>
                                   <p:childTnLst>
                                     <p:set>
                                       <p:cBhvr>
-                                        <p:cTn id="19" dur="1" fill="hold">
+                                        <p:cTn id="21" dur="1" fill="hold">
                                           <p:stCondLst>
                                             <p:cond delay="0"/>
                                           </p:stCondLst>
@@ -14533,7 +15112,7 @@
                                     </p:set>
                                     <p:animEffect transition="in" filter="fade">
                                       <p:cBhvr>
-                                        <p:cTn id="20" dur="500"/>
+                                        <p:cTn id="22" dur="500"/>
                                         <p:tgtEl>
                                           <p:spTgt spid="3">
                                             <p:txEl>
@@ -14547,14 +15126,14 @@
                                 </p:cTn>
                               </p:par>
                               <p:par>
-                                <p:cTn id="21" presetID="10" presetClass="entr" presetSubtype="0" fill="hold" grpId="0" nodeType="withEffect">
+                                <p:cTn id="23" presetID="10" presetClass="entr" presetSubtype="0" fill="hold" grpId="0" nodeType="withEffect">
                                   <p:stCondLst>
                                     <p:cond delay="0"/>
                                   </p:stCondLst>
                                   <p:childTnLst>
                                     <p:set>
                                       <p:cBhvr>
-                                        <p:cTn id="22" dur="1" fill="hold">
+                                        <p:cTn id="24" dur="1" fill="hold">
                                           <p:stCondLst>
                                             <p:cond delay="0"/>
                                           </p:stCondLst>
@@ -14576,7 +15155,7 @@
                                     </p:set>
                                     <p:animEffect transition="in" filter="fade">
                                       <p:cBhvr>
-                                        <p:cTn id="23" dur="500"/>
+                                        <p:cTn id="25" dur="500"/>
                                         <p:tgtEl>
                                           <p:spTgt spid="3">
                                             <p:txEl>
@@ -14590,14 +15169,14 @@
                                 </p:cTn>
                               </p:par>
                               <p:par>
-                                <p:cTn id="24" presetID="10" presetClass="entr" presetSubtype="0" fill="hold" grpId="0" nodeType="withEffect">
+                                <p:cTn id="26" presetID="10" presetClass="entr" presetSubtype="0" fill="hold" grpId="0" nodeType="withEffect">
                                   <p:stCondLst>
                                     <p:cond delay="0"/>
                                   </p:stCondLst>
                                   <p:childTnLst>
                                     <p:set>
                                       <p:cBhvr>
-                                        <p:cTn id="25" dur="1" fill="hold">
+                                        <p:cTn id="27" dur="1" fill="hold">
                                           <p:stCondLst>
                                             <p:cond delay="0"/>
                                           </p:stCondLst>
@@ -14619,11 +15198,54 @@
                                     </p:set>
                                     <p:animEffect transition="in" filter="fade">
                                       <p:cBhvr>
-                                        <p:cTn id="26" dur="500"/>
+                                        <p:cTn id="28" dur="500"/>
                                         <p:tgtEl>
                                           <p:spTgt spid="3">
                                             <p:txEl>
                                               <p:pRg st="5" end="5"/>
+                                            </p:txEl>
+                                          </p:spTgt>
+                                        </p:tgtEl>
+                                      </p:cBhvr>
+                                    </p:animEffect>
+                                  </p:childTnLst>
+                                </p:cTn>
+                              </p:par>
+                              <p:par>
+                                <p:cTn id="29" presetID="10" presetClass="entr" presetSubtype="0" fill="hold" grpId="0" nodeType="withEffect">
+                                  <p:stCondLst>
+                                    <p:cond delay="0"/>
+                                  </p:stCondLst>
+                                  <p:childTnLst>
+                                    <p:set>
+                                      <p:cBhvr>
+                                        <p:cTn id="30" dur="1" fill="hold">
+                                          <p:stCondLst>
+                                            <p:cond delay="0"/>
+                                          </p:stCondLst>
+                                        </p:cTn>
+                                        <p:tgtEl>
+                                          <p:spTgt spid="3">
+                                            <p:txEl>
+                                              <p:pRg st="6" end="6"/>
+                                            </p:txEl>
+                                          </p:spTgt>
+                                        </p:tgtEl>
+                                        <p:attrNameLst>
+                                          <p:attrName>style.visibility</p:attrName>
+                                        </p:attrNameLst>
+                                      </p:cBhvr>
+                                      <p:to>
+                                        <p:strVal val="visible"/>
+                                      </p:to>
+                                    </p:set>
+                                    <p:animEffect transition="in" filter="fade">
+                                      <p:cBhvr>
+                                        <p:cTn id="31" dur="500"/>
+                                        <p:tgtEl>
+                                          <p:spTgt spid="3">
+                                            <p:txEl>
+                                              <p:pRg st="6" end="6"/>
                                             </p:txEl>
                                           </p:spTgt>
                                         </p:tgtEl>
@@ -15401,16 +16023,12 @@
           <a:lstStyle/>
           <a:p>
             <a:r>
-              <a:rPr lang="en-US" altLang="zh-CN" sz="4000" b="1" dirty="0" err="1">
+              <a:rPr lang="en-US" altLang="zh-CN" sz="4000" b="1" dirty="0">
                 <a:latin typeface="Arial" panose="020B0604020202020204" pitchFamily="34" charset="0"/>
                 <a:cs typeface="Arial" panose="020B0604020202020204" pitchFamily="34" charset="0"/>
               </a:rPr>
-              <a:t>Quetsions</a:t>
-            </a:r>
-            <a:endParaRPr lang="en-US" altLang="zh-CN" sz="4000" b="1" dirty="0">
-              <a:latin typeface="Arial" panose="020B0604020202020204" pitchFamily="34" charset="0"/>
-              <a:cs typeface="Arial" panose="020B0604020202020204" pitchFamily="34" charset="0"/>
-            </a:endParaRPr>
+              <a:t>Introduction – Dataset</a:t>
+            </a:r>
           </a:p>
         </p:txBody>
       </p:sp>
@@ -15433,7 +16051,7 @@
         <p:spPr>
           <a:xfrm>
             <a:off x="845127" y="1291590"/>
-            <a:ext cx="8891234" cy="4888547"/>
+            <a:ext cx="10619164" cy="4888547"/>
           </a:xfrm>
         </p:spPr>
         <p:txBody>
@@ -15442,110 +16060,46 @@
           </a:bodyPr>
           <a:lstStyle/>
           <a:p>
-            <a:pPr marL="914400" lvl="1" indent="-457200">
+            <a:pPr>
               <a:lnSpc>
                 <a:spcPct val="100000"/>
               </a:lnSpc>
-              <a:buFont typeface="+mj-lt"/>
-              <a:buAutoNum type="arabicPeriod"/>
             </a:pPr>
             <a:r>
-              <a:rPr lang="en-US" altLang="zh-CN" dirty="0">
+              <a:rPr lang="en-US" altLang="zh-CN" sz="2400" dirty="0">
                 <a:latin typeface="Arial" panose="020B0604020202020204" pitchFamily="34" charset="0"/>
                 <a:cs typeface="Arial" panose="020B0604020202020204" pitchFamily="34" charset="0"/>
               </a:rPr>
-              <a:t>Which engine is the best?</a:t>
-            </a:r>
-          </a:p>
-          <a:p>
-            <a:pPr marL="914400" lvl="1" indent="-457200">
+              <a:t>Nodes: (Drivers, Country, Constructors, Engine, Grand Prix)</a:t>
+            </a:r>
+          </a:p>
+          <a:p>
+            <a:pPr>
               <a:lnSpc>
                 <a:spcPct val="100000"/>
               </a:lnSpc>
-              <a:buFont typeface="+mj-lt"/>
-              <a:buAutoNum type="arabicPeriod"/>
             </a:pPr>
             <a:r>
-              <a:rPr lang="en-US" altLang="zh-CN" dirty="0">
+              <a:rPr lang="en-US" altLang="zh-CN" sz="2400" dirty="0">
                 <a:latin typeface="Arial" panose="020B0604020202020204" pitchFamily="34" charset="0"/>
                 <a:cs typeface="Arial" panose="020B0604020202020204" pitchFamily="34" charset="0"/>
               </a:rPr>
-              <a:t>Top 5 drivers who has the most retirement?</a:t>
-            </a:r>
-          </a:p>
-          <a:p>
-            <a:pPr marL="914400" lvl="1" indent="-457200">
+              <a:t>23 Drivers, 27 Countries, 19 constructors (include previous constructors), 4 engines and 19 Grand Prix</a:t>
+            </a:r>
+          </a:p>
+          <a:p>
+            <a:pPr>
               <a:lnSpc>
                 <a:spcPct val="100000"/>
               </a:lnSpc>
-              <a:buFont typeface="+mj-lt"/>
-              <a:buAutoNum type="arabicPeriod"/>
             </a:pPr>
             <a:r>
-              <a:rPr lang="en-US" altLang="zh-CN" dirty="0">
+              <a:rPr lang="en-US" altLang="zh-CN" sz="2400" dirty="0">
                 <a:latin typeface="Arial" panose="020B0604020202020204" pitchFamily="34" charset="0"/>
                 <a:cs typeface="Arial" panose="020B0604020202020204" pitchFamily="34" charset="0"/>
               </a:rPr>
-              <a:t>Categorize constructors into 3 tiers.</a:t>
-            </a:r>
-          </a:p>
-          <a:p>
-            <a:pPr marL="914400" lvl="1" indent="-457200">
-              <a:lnSpc>
-                <a:spcPct val="100000"/>
-              </a:lnSpc>
-              <a:buFont typeface="+mj-lt"/>
-              <a:buAutoNum type="arabicPeriod"/>
-            </a:pPr>
-            <a:r>
-              <a:rPr lang="en-US" altLang="zh-CN" dirty="0">
-                <a:latin typeface="Arial" panose="020B0604020202020204" pitchFamily="34" charset="0"/>
-                <a:cs typeface="Arial" panose="020B0604020202020204" pitchFamily="34" charset="0"/>
-              </a:rPr>
-              <a:t>Make link prediction between driver and constructor.</a:t>
-            </a:r>
-          </a:p>
-          <a:p>
-            <a:pPr marL="914400" lvl="1" indent="-457200">
-              <a:lnSpc>
-                <a:spcPct val="100000"/>
-              </a:lnSpc>
-              <a:buFont typeface="+mj-lt"/>
-              <a:buAutoNum type="arabicPeriod"/>
-            </a:pPr>
-            <a:r>
-              <a:rPr lang="en-US" altLang="zh-CN" dirty="0">
-                <a:latin typeface="Arial" panose="020B0604020202020204" pitchFamily="34" charset="0"/>
-                <a:cs typeface="Arial" panose="020B0604020202020204" pitchFamily="34" charset="0"/>
-              </a:rPr>
-              <a:t>Categorize drivers using python.</a:t>
-            </a:r>
-          </a:p>
-          <a:p>
-            <a:pPr marL="914400" lvl="1" indent="-457200">
-              <a:lnSpc>
-                <a:spcPct val="100000"/>
-              </a:lnSpc>
-              <a:buFont typeface="+mj-lt"/>
-              <a:buAutoNum type="arabicPeriod"/>
-            </a:pPr>
-            <a:endParaRPr lang="en-US" altLang="zh-CN" dirty="0">
-              <a:latin typeface="Arial" panose="020B0604020202020204" pitchFamily="34" charset="0"/>
-              <a:cs typeface="Arial" panose="020B0604020202020204" pitchFamily="34" charset="0"/>
-            </a:endParaRPr>
-          </a:p>
-          <a:p>
-            <a:pPr marL="914400" lvl="1" indent="-457200">
-              <a:lnSpc>
-                <a:spcPct val="100000"/>
-              </a:lnSpc>
-              <a:buFont typeface="+mj-lt"/>
-              <a:buAutoNum type="arabicPeriod"/>
-            </a:pPr>
-            <a:endParaRPr lang="en-US" altLang="zh-CN" dirty="0">
-              <a:latin typeface="Arial" panose="020B0604020202020204" pitchFamily="34" charset="0"/>
-              <a:cs typeface="Arial" panose="020B0604020202020204" pitchFamily="34" charset="0"/>
-            </a:endParaRPr>
+              <a:t>Relationships:</a:t>
+            </a:r>
           </a:p>
           <a:p>
             <a:pPr lvl="1">
@@ -15553,7 +16107,112 @@
                 <a:spcPct val="100000"/>
               </a:lnSpc>
             </a:pPr>
-            <a:endParaRPr lang="zh-CN" altLang="en-US" dirty="0">
+            <a:r>
+              <a:rPr lang="en-US" altLang="zh-CN" sz="2000" dirty="0">
+                <a:latin typeface="Arial" panose="020B0604020202020204" pitchFamily="34" charset="0"/>
+                <a:cs typeface="Arial" panose="020B0604020202020204" pitchFamily="34" charset="0"/>
+              </a:rPr>
+              <a:t>Constructors -&gt; Engine (has), Constructors -&gt; Country (Country Origin)</a:t>
+            </a:r>
+          </a:p>
+          <a:p>
+            <a:pPr lvl="1">
+              <a:lnSpc>
+                <a:spcPct val="100000"/>
+              </a:lnSpc>
+            </a:pPr>
+            <a:r>
+              <a:rPr lang="en-US" altLang="zh-CN" sz="2000" dirty="0">
+                <a:latin typeface="Arial" panose="020B0604020202020204" pitchFamily="34" charset="0"/>
+                <a:cs typeface="Arial" panose="020B0604020202020204" pitchFamily="34" charset="0"/>
+              </a:rPr>
+              <a:t>Drivers-&gt;Country (Country Origin),  Drivers--&gt;Constructor (Belongs to), </a:t>
+            </a:r>
+          </a:p>
+          <a:p>
+            <a:pPr marL="457200" lvl="1" indent="0">
+              <a:lnSpc>
+                <a:spcPct val="100000"/>
+              </a:lnSpc>
+              <a:buNone/>
+            </a:pPr>
+            <a:r>
+              <a:rPr lang="en-US" altLang="zh-CN" sz="2000" dirty="0">
+                <a:latin typeface="Arial" panose="020B0604020202020204" pitchFamily="34" charset="0"/>
+                <a:cs typeface="Arial" panose="020B0604020202020204" pitchFamily="34" charset="0"/>
+              </a:rPr>
+              <a:t>    Drivers--&gt; Grand Prix (Finished)</a:t>
+            </a:r>
+          </a:p>
+          <a:p>
+            <a:pPr lvl="1">
+              <a:lnSpc>
+                <a:spcPct val="100000"/>
+              </a:lnSpc>
+            </a:pPr>
+            <a:r>
+              <a:rPr lang="en-US" altLang="zh-CN" sz="2000" dirty="0">
+                <a:latin typeface="Arial" panose="020B0604020202020204" pitchFamily="34" charset="0"/>
+                <a:cs typeface="Arial" panose="020B0604020202020204" pitchFamily="34" charset="0"/>
+              </a:rPr>
+              <a:t>Grand Prix-&gt;Country (Country Origin)</a:t>
+            </a:r>
+            <a:endParaRPr lang="en-US" altLang="zh-CN" sz="2400" dirty="0">
+              <a:latin typeface="Arial" panose="020B0604020202020204" pitchFamily="34" charset="0"/>
+              <a:cs typeface="Arial" panose="020B0604020202020204" pitchFamily="34" charset="0"/>
+            </a:endParaRPr>
+          </a:p>
+          <a:p>
+            <a:pPr>
+              <a:lnSpc>
+                <a:spcPct val="100000"/>
+              </a:lnSpc>
+            </a:pPr>
+            <a:r>
+              <a:rPr lang="en-US" altLang="zh-CN" sz="2400" dirty="0">
+                <a:latin typeface="Arial" panose="020B0604020202020204" pitchFamily="34" charset="0"/>
+                <a:cs typeface="Arial" panose="020B0604020202020204" pitchFamily="34" charset="0"/>
+              </a:rPr>
+              <a:t>Our objective: To summarize the performance of drivers and </a:t>
+            </a:r>
+          </a:p>
+          <a:p>
+            <a:pPr marL="0" indent="0">
+              <a:lnSpc>
+                <a:spcPct val="100000"/>
+              </a:lnSpc>
+              <a:buNone/>
+            </a:pPr>
+            <a:r>
+              <a:rPr lang="en-US" altLang="zh-CN" sz="2400" dirty="0">
+                <a:latin typeface="Arial" panose="020B0604020202020204" pitchFamily="34" charset="0"/>
+                <a:cs typeface="Arial" panose="020B0604020202020204" pitchFamily="34" charset="0"/>
+              </a:rPr>
+              <a:t>   Constructors in the season</a:t>
+            </a:r>
+            <a:endParaRPr lang="en-US" altLang="zh-CN" sz="2000" dirty="0">
+              <a:latin typeface="Arial" panose="020B0604020202020204" pitchFamily="34" charset="0"/>
+              <a:cs typeface="Arial" panose="020B0604020202020204" pitchFamily="34" charset="0"/>
+            </a:endParaRPr>
+          </a:p>
+          <a:p>
+            <a:pPr lvl="1">
+              <a:lnSpc>
+                <a:spcPct val="100000"/>
+              </a:lnSpc>
+            </a:pPr>
+            <a:endParaRPr lang="en-US" altLang="zh-CN" sz="2000" dirty="0">
+              <a:latin typeface="Arial" panose="020B0604020202020204" pitchFamily="34" charset="0"/>
+              <a:cs typeface="Arial" panose="020B0604020202020204" pitchFamily="34" charset="0"/>
+            </a:endParaRPr>
+          </a:p>
+          <a:p>
+            <a:pPr lvl="1">
+              <a:lnSpc>
+                <a:spcPct val="100000"/>
+              </a:lnSpc>
+            </a:pPr>
+            <a:endParaRPr lang="en-US" altLang="zh-CN" sz="2000" dirty="0">
               <a:latin typeface="Arial" panose="020B0604020202020204" pitchFamily="34" charset="0"/>
               <a:cs typeface="Arial" panose="020B0604020202020204" pitchFamily="34" charset="0"/>
             </a:endParaRPr>
@@ -15636,10 +16295,10 @@
       </p:pic>
       <p:sp>
         <p:nvSpPr>
-          <p:cNvPr id="4" name="灯片编号占位符 3">
+          <p:cNvPr id="6" name="灯片编号占位符 5">
             <a:extLst>
               <a:ext uri="{FF2B5EF4-FFF2-40B4-BE49-F238E27FC236}">
-                <a16:creationId xmlns:a16="http://schemas.microsoft.com/office/drawing/2014/main" id="{D7326280-6C0C-CC93-E154-B95EF721FD19}"/>
+                <a16:creationId xmlns:a16="http://schemas.microsoft.com/office/drawing/2014/main" id="{2028633D-1986-5A66-3D33-DB00FCBED8B2}"/>
               </a:ext>
             </a:extLst>
           </p:cNvPr>
@@ -15665,6 +16324,931 @@
               </a:rPr>
               <a:pPr/>
               <a:t>4</a:t>
+            </a:fld>
+            <a:endParaRPr lang="en-US" sz="2400" b="1" dirty="0">
+              <a:solidFill>
+                <a:schemeClr val="tx1"/>
+              </a:solidFill>
+              <a:latin typeface="Arial" panose="020B0604020202020204" pitchFamily="34" charset="0"/>
+              <a:cs typeface="Arial" panose="020B0604020202020204" pitchFamily="34" charset="0"/>
+            </a:endParaRPr>
+          </a:p>
+        </p:txBody>
+      </p:sp>
+    </p:spTree>
+    <p:extLst>
+      <p:ext uri="{BB962C8B-B14F-4D97-AF65-F5344CB8AC3E}">
+        <p14:creationId xmlns:p14="http://schemas.microsoft.com/office/powerpoint/2010/main" val="1525585856"/>
+      </p:ext>
+    </p:extLst>
+  </p:cSld>
+  <p:clrMapOvr>
+    <a:masterClrMapping/>
+  </p:clrMapOvr>
+  <p:timing>
+    <p:tnLst>
+      <p:par>
+        <p:cTn id="1" dur="indefinite" restart="never" nodeType="tmRoot">
+          <p:childTnLst>
+            <p:seq concurrent="1" nextAc="seek">
+              <p:cTn id="2" dur="indefinite" nodeType="mainSeq">
+                <p:childTnLst>
+                  <p:par>
+                    <p:cTn id="3" fill="hold">
+                      <p:stCondLst>
+                        <p:cond delay="indefinite"/>
+                        <p:cond evt="onBegin" delay="0">
+                          <p:tn val="2"/>
+                        </p:cond>
+                      </p:stCondLst>
+                      <p:childTnLst>
+                        <p:par>
+                          <p:cTn id="4" fill="hold">
+                            <p:stCondLst>
+                              <p:cond delay="0"/>
+                            </p:stCondLst>
+                            <p:childTnLst>
+                              <p:par>
+                                <p:cTn id="5" presetID="10" presetClass="entr" presetSubtype="0" fill="hold" grpId="0" nodeType="withEffect">
+                                  <p:stCondLst>
+                                    <p:cond delay="1000"/>
+                                  </p:stCondLst>
+                                  <p:iterate>
+                                    <p:tmPct val="10000"/>
+                                  </p:iterate>
+                                  <p:childTnLst>
+                                    <p:set>
+                                      <p:cBhvr>
+                                        <p:cTn id="6" dur="1" fill="hold">
+                                          <p:stCondLst>
+                                            <p:cond delay="0"/>
+                                          </p:stCondLst>
+                                        </p:cTn>
+                                        <p:tgtEl>
+                                          <p:spTgt spid="2"/>
+                                        </p:tgtEl>
+                                        <p:attrNameLst>
+                                          <p:attrName>style.visibility</p:attrName>
+                                        </p:attrNameLst>
+                                      </p:cBhvr>
+                                      <p:to>
+                                        <p:strVal val="visible"/>
+                                      </p:to>
+                                    </p:set>
+                                    <p:animEffect transition="in" filter="fade">
+                                      <p:cBhvr>
+                                        <p:cTn id="7" dur="700"/>
+                                        <p:tgtEl>
+                                          <p:spTgt spid="2"/>
+                                        </p:tgtEl>
+                                      </p:cBhvr>
+                                    </p:animEffect>
+                                  </p:childTnLst>
+                                </p:cTn>
+                              </p:par>
+                            </p:childTnLst>
+                          </p:cTn>
+                        </p:par>
+                      </p:childTnLst>
+                    </p:cTn>
+                  </p:par>
+                  <p:par>
+                    <p:cTn id="8" fill="hold">
+                      <p:stCondLst>
+                        <p:cond delay="indefinite"/>
+                      </p:stCondLst>
+                      <p:childTnLst>
+                        <p:par>
+                          <p:cTn id="9" fill="hold">
+                            <p:stCondLst>
+                              <p:cond delay="0"/>
+                            </p:stCondLst>
+                            <p:childTnLst>
+                              <p:par>
+                                <p:cTn id="10" presetID="10" presetClass="entr" presetSubtype="0" fill="hold" grpId="0" nodeType="clickEffect">
+                                  <p:stCondLst>
+                                    <p:cond delay="0"/>
+                                  </p:stCondLst>
+                                  <p:childTnLst>
+                                    <p:set>
+                                      <p:cBhvr>
+                                        <p:cTn id="11" dur="1" fill="hold">
+                                          <p:stCondLst>
+                                            <p:cond delay="0"/>
+                                          </p:stCondLst>
+                                        </p:cTn>
+                                        <p:tgtEl>
+                                          <p:spTgt spid="3">
+                                            <p:txEl>
+                                              <p:pRg st="0" end="0"/>
+                                            </p:txEl>
+                                          </p:spTgt>
+                                        </p:tgtEl>
+                                        <p:attrNameLst>
+                                          <p:attrName>style.visibility</p:attrName>
+                                        </p:attrNameLst>
+                                      </p:cBhvr>
+                                      <p:to>
+                                        <p:strVal val="visible"/>
+                                      </p:to>
+                                    </p:set>
+                                    <p:animEffect transition="in" filter="fade">
+                                      <p:cBhvr>
+                                        <p:cTn id="12" dur="500"/>
+                                        <p:tgtEl>
+                                          <p:spTgt spid="3">
+                                            <p:txEl>
+                                              <p:pRg st="0" end="0"/>
+                                            </p:txEl>
+                                          </p:spTgt>
+                                        </p:tgtEl>
+                                      </p:cBhvr>
+                                    </p:animEffect>
+                                  </p:childTnLst>
+                                </p:cTn>
+                              </p:par>
+                            </p:childTnLst>
+                          </p:cTn>
+                        </p:par>
+                      </p:childTnLst>
+                    </p:cTn>
+                  </p:par>
+                  <p:par>
+                    <p:cTn id="13" fill="hold">
+                      <p:stCondLst>
+                        <p:cond delay="indefinite"/>
+                      </p:stCondLst>
+                      <p:childTnLst>
+                        <p:par>
+                          <p:cTn id="14" fill="hold">
+                            <p:stCondLst>
+                              <p:cond delay="0"/>
+                            </p:stCondLst>
+                            <p:childTnLst>
+                              <p:par>
+                                <p:cTn id="15" presetID="10" presetClass="entr" presetSubtype="0" fill="hold" grpId="0" nodeType="clickEffect">
+                                  <p:stCondLst>
+                                    <p:cond delay="0"/>
+                                  </p:stCondLst>
+                                  <p:childTnLst>
+                                    <p:set>
+                                      <p:cBhvr>
+                                        <p:cTn id="16" dur="1" fill="hold">
+                                          <p:stCondLst>
+                                            <p:cond delay="0"/>
+                                          </p:stCondLst>
+                                        </p:cTn>
+                                        <p:tgtEl>
+                                          <p:spTgt spid="3">
+                                            <p:txEl>
+                                              <p:pRg st="1" end="1"/>
+                                            </p:txEl>
+                                          </p:spTgt>
+                                        </p:tgtEl>
+                                        <p:attrNameLst>
+                                          <p:attrName>style.visibility</p:attrName>
+                                        </p:attrNameLst>
+                                      </p:cBhvr>
+                                      <p:to>
+                                        <p:strVal val="visible"/>
+                                      </p:to>
+                                    </p:set>
+                                    <p:animEffect transition="in" filter="fade">
+                                      <p:cBhvr>
+                                        <p:cTn id="17" dur="500"/>
+                                        <p:tgtEl>
+                                          <p:spTgt spid="3">
+                                            <p:txEl>
+                                              <p:pRg st="1" end="1"/>
+                                            </p:txEl>
+                                          </p:spTgt>
+                                        </p:tgtEl>
+                                      </p:cBhvr>
+                                    </p:animEffect>
+                                  </p:childTnLst>
+                                </p:cTn>
+                              </p:par>
+                            </p:childTnLst>
+                          </p:cTn>
+                        </p:par>
+                      </p:childTnLst>
+                    </p:cTn>
+                  </p:par>
+                  <p:par>
+                    <p:cTn id="18" fill="hold">
+                      <p:stCondLst>
+                        <p:cond delay="indefinite"/>
+                      </p:stCondLst>
+                      <p:childTnLst>
+                        <p:par>
+                          <p:cTn id="19" fill="hold">
+                            <p:stCondLst>
+                              <p:cond delay="0"/>
+                            </p:stCondLst>
+                            <p:childTnLst>
+                              <p:par>
+                                <p:cTn id="20" presetID="10" presetClass="entr" presetSubtype="0" fill="hold" grpId="0" nodeType="clickEffect">
+                                  <p:stCondLst>
+                                    <p:cond delay="0"/>
+                                  </p:stCondLst>
+                                  <p:childTnLst>
+                                    <p:set>
+                                      <p:cBhvr>
+                                        <p:cTn id="21" dur="1" fill="hold">
+                                          <p:stCondLst>
+                                            <p:cond delay="0"/>
+                                          </p:stCondLst>
+                                        </p:cTn>
+                                        <p:tgtEl>
+                                          <p:spTgt spid="3">
+                                            <p:txEl>
+                                              <p:pRg st="2" end="2"/>
+                                            </p:txEl>
+                                          </p:spTgt>
+                                        </p:tgtEl>
+                                        <p:attrNameLst>
+                                          <p:attrName>style.visibility</p:attrName>
+                                        </p:attrNameLst>
+                                      </p:cBhvr>
+                                      <p:to>
+                                        <p:strVal val="visible"/>
+                                      </p:to>
+                                    </p:set>
+                                    <p:animEffect transition="in" filter="fade">
+                                      <p:cBhvr>
+                                        <p:cTn id="22" dur="500"/>
+                                        <p:tgtEl>
+                                          <p:spTgt spid="3">
+                                            <p:txEl>
+                                              <p:pRg st="2" end="2"/>
+                                            </p:txEl>
+                                          </p:spTgt>
+                                        </p:tgtEl>
+                                      </p:cBhvr>
+                                    </p:animEffect>
+                                  </p:childTnLst>
+                                </p:cTn>
+                              </p:par>
+                              <p:par>
+                                <p:cTn id="23" presetID="10" presetClass="entr" presetSubtype="0" fill="hold" grpId="0" nodeType="withEffect">
+                                  <p:stCondLst>
+                                    <p:cond delay="0"/>
+                                  </p:stCondLst>
+                                  <p:childTnLst>
+                                    <p:set>
+                                      <p:cBhvr>
+                                        <p:cTn id="24" dur="1" fill="hold">
+                                          <p:stCondLst>
+                                            <p:cond delay="0"/>
+                                          </p:stCondLst>
+                                        </p:cTn>
+                                        <p:tgtEl>
+                                          <p:spTgt spid="3">
+                                            <p:txEl>
+                                              <p:pRg st="3" end="3"/>
+                                            </p:txEl>
+                                          </p:spTgt>
+                                        </p:tgtEl>
+                                        <p:attrNameLst>
+                                          <p:attrName>style.visibility</p:attrName>
+                                        </p:attrNameLst>
+                                      </p:cBhvr>
+                                      <p:to>
+                                        <p:strVal val="visible"/>
+                                      </p:to>
+                                    </p:set>
+                                    <p:animEffect transition="in" filter="fade">
+                                      <p:cBhvr>
+                                        <p:cTn id="25" dur="500"/>
+                                        <p:tgtEl>
+                                          <p:spTgt spid="3">
+                                            <p:txEl>
+                                              <p:pRg st="3" end="3"/>
+                                            </p:txEl>
+                                          </p:spTgt>
+                                        </p:tgtEl>
+                                      </p:cBhvr>
+                                    </p:animEffect>
+                                  </p:childTnLst>
+                                </p:cTn>
+                              </p:par>
+                              <p:par>
+                                <p:cTn id="26" presetID="10" presetClass="entr" presetSubtype="0" fill="hold" grpId="0" nodeType="withEffect">
+                                  <p:stCondLst>
+                                    <p:cond delay="0"/>
+                                  </p:stCondLst>
+                                  <p:childTnLst>
+                                    <p:set>
+                                      <p:cBhvr>
+                                        <p:cTn id="27" dur="1" fill="hold">
+                                          <p:stCondLst>
+                                            <p:cond delay="0"/>
+                                          </p:stCondLst>
+                                        </p:cTn>
+                                        <p:tgtEl>
+                                          <p:spTgt spid="3">
+                                            <p:txEl>
+                                              <p:pRg st="4" end="4"/>
+                                            </p:txEl>
+                                          </p:spTgt>
+                                        </p:tgtEl>
+                                        <p:attrNameLst>
+                                          <p:attrName>style.visibility</p:attrName>
+                                        </p:attrNameLst>
+                                      </p:cBhvr>
+                                      <p:to>
+                                        <p:strVal val="visible"/>
+                                      </p:to>
+                                    </p:set>
+                                    <p:animEffect transition="in" filter="fade">
+                                      <p:cBhvr>
+                                        <p:cTn id="28" dur="500"/>
+                                        <p:tgtEl>
+                                          <p:spTgt spid="3">
+                                            <p:txEl>
+                                              <p:pRg st="4" end="4"/>
+                                            </p:txEl>
+                                          </p:spTgt>
+                                        </p:tgtEl>
+                                      </p:cBhvr>
+                                    </p:animEffect>
+                                  </p:childTnLst>
+                                </p:cTn>
+                              </p:par>
+                              <p:par>
+                                <p:cTn id="29" presetID="10" presetClass="entr" presetSubtype="0" fill="hold" grpId="0" nodeType="withEffect">
+                                  <p:stCondLst>
+                                    <p:cond delay="0"/>
+                                  </p:stCondLst>
+                                  <p:childTnLst>
+                                    <p:set>
+                                      <p:cBhvr>
+                                        <p:cTn id="30" dur="1" fill="hold">
+                                          <p:stCondLst>
+                                            <p:cond delay="0"/>
+                                          </p:stCondLst>
+                                        </p:cTn>
+                                        <p:tgtEl>
+                                          <p:spTgt spid="3">
+                                            <p:txEl>
+                                              <p:pRg st="5" end="5"/>
+                                            </p:txEl>
+                                          </p:spTgt>
+                                        </p:tgtEl>
+                                        <p:attrNameLst>
+                                          <p:attrName>style.visibility</p:attrName>
+                                        </p:attrNameLst>
+                                      </p:cBhvr>
+                                      <p:to>
+                                        <p:strVal val="visible"/>
+                                      </p:to>
+                                    </p:set>
+                                    <p:animEffect transition="in" filter="fade">
+                                      <p:cBhvr>
+                                        <p:cTn id="31" dur="500"/>
+                                        <p:tgtEl>
+                                          <p:spTgt spid="3">
+                                            <p:txEl>
+                                              <p:pRg st="5" end="5"/>
+                                            </p:txEl>
+                                          </p:spTgt>
+                                        </p:tgtEl>
+                                      </p:cBhvr>
+                                    </p:animEffect>
+                                  </p:childTnLst>
+                                </p:cTn>
+                              </p:par>
+                              <p:par>
+                                <p:cTn id="32" presetID="10" presetClass="entr" presetSubtype="0" fill="hold" grpId="0" nodeType="withEffect">
+                                  <p:stCondLst>
+                                    <p:cond delay="0"/>
+                                  </p:stCondLst>
+                                  <p:childTnLst>
+                                    <p:set>
+                                      <p:cBhvr>
+                                        <p:cTn id="33" dur="1" fill="hold">
+                                          <p:stCondLst>
+                                            <p:cond delay="0"/>
+                                          </p:stCondLst>
+                                        </p:cTn>
+                                        <p:tgtEl>
+                                          <p:spTgt spid="3">
+                                            <p:txEl>
+                                              <p:pRg st="6" end="6"/>
+                                            </p:txEl>
+                                          </p:spTgt>
+                                        </p:tgtEl>
+                                        <p:attrNameLst>
+                                          <p:attrName>style.visibility</p:attrName>
+                                        </p:attrNameLst>
+                                      </p:cBhvr>
+                                      <p:to>
+                                        <p:strVal val="visible"/>
+                                      </p:to>
+                                    </p:set>
+                                    <p:animEffect transition="in" filter="fade">
+                                      <p:cBhvr>
+                                        <p:cTn id="34" dur="500"/>
+                                        <p:tgtEl>
+                                          <p:spTgt spid="3">
+                                            <p:txEl>
+                                              <p:pRg st="6" end="6"/>
+                                            </p:txEl>
+                                          </p:spTgt>
+                                        </p:tgtEl>
+                                      </p:cBhvr>
+                                    </p:animEffect>
+                                  </p:childTnLst>
+                                </p:cTn>
+                              </p:par>
+                            </p:childTnLst>
+                          </p:cTn>
+                        </p:par>
+                      </p:childTnLst>
+                    </p:cTn>
+                  </p:par>
+                  <p:par>
+                    <p:cTn id="35" fill="hold">
+                      <p:stCondLst>
+                        <p:cond delay="indefinite"/>
+                      </p:stCondLst>
+                      <p:childTnLst>
+                        <p:par>
+                          <p:cTn id="36" fill="hold">
+                            <p:stCondLst>
+                              <p:cond delay="0"/>
+                            </p:stCondLst>
+                            <p:childTnLst>
+                              <p:par>
+                                <p:cTn id="37" presetID="10" presetClass="entr" presetSubtype="0" fill="hold" grpId="0" nodeType="clickEffect">
+                                  <p:stCondLst>
+                                    <p:cond delay="0"/>
+                                  </p:stCondLst>
+                                  <p:childTnLst>
+                                    <p:set>
+                                      <p:cBhvr>
+                                        <p:cTn id="38" dur="1" fill="hold">
+                                          <p:stCondLst>
+                                            <p:cond delay="0"/>
+                                          </p:stCondLst>
+                                        </p:cTn>
+                                        <p:tgtEl>
+                                          <p:spTgt spid="3">
+                                            <p:txEl>
+                                              <p:pRg st="7" end="7"/>
+                                            </p:txEl>
+                                          </p:spTgt>
+                                        </p:tgtEl>
+                                        <p:attrNameLst>
+                                          <p:attrName>style.visibility</p:attrName>
+                                        </p:attrNameLst>
+                                      </p:cBhvr>
+                                      <p:to>
+                                        <p:strVal val="visible"/>
+                                      </p:to>
+                                    </p:set>
+                                    <p:animEffect transition="in" filter="fade">
+                                      <p:cBhvr>
+                                        <p:cTn id="39" dur="500"/>
+                                        <p:tgtEl>
+                                          <p:spTgt spid="3">
+                                            <p:txEl>
+                                              <p:pRg st="7" end="7"/>
+                                            </p:txEl>
+                                          </p:spTgt>
+                                        </p:tgtEl>
+                                      </p:cBhvr>
+                                    </p:animEffect>
+                                  </p:childTnLst>
+                                </p:cTn>
+                              </p:par>
+                            </p:childTnLst>
+                          </p:cTn>
+                        </p:par>
+                      </p:childTnLst>
+                    </p:cTn>
+                  </p:par>
+                  <p:par>
+                    <p:cTn id="40" fill="hold">
+                      <p:stCondLst>
+                        <p:cond delay="indefinite"/>
+                      </p:stCondLst>
+                      <p:childTnLst>
+                        <p:par>
+                          <p:cTn id="41" fill="hold">
+                            <p:stCondLst>
+                              <p:cond delay="0"/>
+                            </p:stCondLst>
+                            <p:childTnLst>
+                              <p:par>
+                                <p:cTn id="42" presetID="10" presetClass="entr" presetSubtype="0" fill="hold" grpId="0" nodeType="clickEffect">
+                                  <p:stCondLst>
+                                    <p:cond delay="0"/>
+                                  </p:stCondLst>
+                                  <p:childTnLst>
+                                    <p:set>
+                                      <p:cBhvr>
+                                        <p:cTn id="43" dur="1" fill="hold">
+                                          <p:stCondLst>
+                                            <p:cond delay="0"/>
+                                          </p:stCondLst>
+                                        </p:cTn>
+                                        <p:tgtEl>
+                                          <p:spTgt spid="3">
+                                            <p:txEl>
+                                              <p:pRg st="8" end="8"/>
+                                            </p:txEl>
+                                          </p:spTgt>
+                                        </p:tgtEl>
+                                        <p:attrNameLst>
+                                          <p:attrName>style.visibility</p:attrName>
+                                        </p:attrNameLst>
+                                      </p:cBhvr>
+                                      <p:to>
+                                        <p:strVal val="visible"/>
+                                      </p:to>
+                                    </p:set>
+                                    <p:animEffect transition="in" filter="fade">
+                                      <p:cBhvr>
+                                        <p:cTn id="44" dur="500"/>
+                                        <p:tgtEl>
+                                          <p:spTgt spid="3">
+                                            <p:txEl>
+                                              <p:pRg st="8" end="8"/>
+                                            </p:txEl>
+                                          </p:spTgt>
+                                        </p:tgtEl>
+                                      </p:cBhvr>
+                                    </p:animEffect>
+                                  </p:childTnLst>
+                                </p:cTn>
+                              </p:par>
+                            </p:childTnLst>
+                          </p:cTn>
+                        </p:par>
+                      </p:childTnLst>
+                    </p:cTn>
+                  </p:par>
+                </p:childTnLst>
+              </p:cTn>
+              <p:prevCondLst>
+                <p:cond evt="onPrev" delay="0">
+                  <p:tgtEl>
+                    <p:sldTgt/>
+                  </p:tgtEl>
+                </p:cond>
+              </p:prevCondLst>
+              <p:nextCondLst>
+                <p:cond evt="onNext" delay="0">
+                  <p:tgtEl>
+                    <p:sldTgt/>
+                  </p:tgtEl>
+                </p:cond>
+              </p:nextCondLst>
+            </p:seq>
+          </p:childTnLst>
+        </p:cTn>
+      </p:par>
+    </p:tnLst>
+    <p:bldLst>
+      <p:bldP spid="2" grpId="0"/>
+      <p:bldP spid="3" grpId="0" build="p"/>
+    </p:bldLst>
+  </p:timing>
+</p:sld>
+</file>
+
+<file path=ppt/slides/slide5.xml><?xml version="1.0" encoding="utf-8"?>
+<p:sld xmlns:a="http://schemas.openxmlformats.org/drawingml/2006/main" xmlns:r="http://schemas.openxmlformats.org/officeDocument/2006/relationships" xmlns:p="http://schemas.openxmlformats.org/presentationml/2006/main">
+  <p:cSld>
+    <p:bg>
+      <p:bgPr>
+        <a:gradFill>
+          <a:gsLst>
+            <a:gs pos="10000">
+              <a:schemeClr val="bg2">
+                <a:tint val="97000"/>
+                <a:hueMod val="92000"/>
+                <a:satMod val="169000"/>
+                <a:lumMod val="164000"/>
+              </a:schemeClr>
+            </a:gs>
+            <a:gs pos="100000">
+              <a:schemeClr val="bg2">
+                <a:shade val="96000"/>
+                <a:satMod val="120000"/>
+                <a:lumMod val="90000"/>
+              </a:schemeClr>
+            </a:gs>
+          </a:gsLst>
+          <a:lin ang="6120000" scaled="1"/>
+        </a:gradFill>
+        <a:effectLst/>
+      </p:bgPr>
+    </p:bg>
+    <p:spTree>
+      <p:nvGrpSpPr>
+        <p:cNvPr id="1" name=""/>
+        <p:cNvGrpSpPr/>
+        <p:nvPr/>
+      </p:nvGrpSpPr>
+      <p:grpSpPr>
+        <a:xfrm>
+          <a:off x="0" y="0"/>
+          <a:ext cx="0" cy="0"/>
+          <a:chOff x="0" y="0"/>
+          <a:chExt cx="0" cy="0"/>
+        </a:xfrm>
+      </p:grpSpPr>
+      <p:sp>
+        <p:nvSpPr>
+          <p:cNvPr id="2" name="标题 1">
+            <a:extLst>
+              <a:ext uri="{FF2B5EF4-FFF2-40B4-BE49-F238E27FC236}">
+                <a16:creationId xmlns:a16="http://schemas.microsoft.com/office/drawing/2014/main" id="{13E67E0E-13CE-C2E4-6A8D-03FC7CD47C2F}"/>
+              </a:ext>
+            </a:extLst>
+          </p:cNvPr>
+          <p:cNvSpPr>
+            <a:spLocks noGrp="1"/>
+          </p:cNvSpPr>
+          <p:nvPr>
+            <p:ph type="title"/>
+          </p:nvPr>
+        </p:nvSpPr>
+        <p:spPr>
+          <a:xfrm>
+            <a:off x="845127" y="365760"/>
+            <a:ext cx="10515600" cy="701040"/>
+          </a:xfrm>
+        </p:spPr>
+        <p:txBody>
+          <a:bodyPr vert="horz" lIns="91440" tIns="45720" rIns="91440" bIns="45720" rtlCol="0" anchor="b">
+            <a:normAutofit/>
+          </a:bodyPr>
+          <a:lstStyle/>
+          <a:p>
+            <a:r>
+              <a:rPr lang="en-US" altLang="zh-CN" sz="4000" b="1" dirty="0">
+                <a:latin typeface="Arial" panose="020B0604020202020204" pitchFamily="34" charset="0"/>
+                <a:cs typeface="Arial" panose="020B0604020202020204" pitchFamily="34" charset="0"/>
+              </a:rPr>
+              <a:t>Questions</a:t>
+            </a:r>
+          </a:p>
+        </p:txBody>
+      </p:sp>
+      <p:sp>
+        <p:nvSpPr>
+          <p:cNvPr id="3" name="内容占位符 2">
+            <a:extLst>
+              <a:ext uri="{FF2B5EF4-FFF2-40B4-BE49-F238E27FC236}">
+                <a16:creationId xmlns:a16="http://schemas.microsoft.com/office/drawing/2014/main" id="{99DADAB8-A93C-6E96-FF8E-9D26524DA39E}"/>
+              </a:ext>
+            </a:extLst>
+          </p:cNvPr>
+          <p:cNvSpPr>
+            <a:spLocks noGrp="1"/>
+          </p:cNvSpPr>
+          <p:nvPr>
+            <p:ph idx="1"/>
+          </p:nvPr>
+        </p:nvSpPr>
+        <p:spPr>
+          <a:xfrm>
+            <a:off x="845127" y="1291590"/>
+            <a:ext cx="8891234" cy="4888547"/>
+          </a:xfrm>
+        </p:spPr>
+        <p:txBody>
+          <a:bodyPr>
+            <a:normAutofit/>
+          </a:bodyPr>
+          <a:lstStyle/>
+          <a:p>
+            <a:pPr marL="914400" lvl="1" indent="-457200">
+              <a:lnSpc>
+                <a:spcPct val="100000"/>
+              </a:lnSpc>
+              <a:buFont typeface="+mj-lt"/>
+              <a:buAutoNum type="arabicPeriod"/>
+            </a:pPr>
+            <a:r>
+              <a:rPr lang="en-US" altLang="zh-CN" dirty="0">
+                <a:latin typeface="Arial" panose="020B0604020202020204" pitchFamily="34" charset="0"/>
+                <a:cs typeface="Arial" panose="020B0604020202020204" pitchFamily="34" charset="0"/>
+              </a:rPr>
+              <a:t>Which engine is the best?</a:t>
+            </a:r>
+          </a:p>
+          <a:p>
+            <a:pPr marL="914400" lvl="1" indent="-457200">
+              <a:lnSpc>
+                <a:spcPct val="100000"/>
+              </a:lnSpc>
+              <a:buFont typeface="+mj-lt"/>
+              <a:buAutoNum type="arabicPeriod"/>
+            </a:pPr>
+            <a:r>
+              <a:rPr lang="en-US" altLang="zh-CN" dirty="0">
+                <a:latin typeface="Arial" panose="020B0604020202020204" pitchFamily="34" charset="0"/>
+                <a:cs typeface="Arial" panose="020B0604020202020204" pitchFamily="34" charset="0"/>
+              </a:rPr>
+              <a:t>Top 5 drivers who has the most retirement?</a:t>
+            </a:r>
+          </a:p>
+          <a:p>
+            <a:pPr marL="914400" lvl="1" indent="-457200">
+              <a:lnSpc>
+                <a:spcPct val="100000"/>
+              </a:lnSpc>
+              <a:buFont typeface="+mj-lt"/>
+              <a:buAutoNum type="arabicPeriod"/>
+            </a:pPr>
+            <a:r>
+              <a:rPr lang="en-US" altLang="zh-CN" dirty="0">
+                <a:latin typeface="Arial" panose="020B0604020202020204" pitchFamily="34" charset="0"/>
+                <a:cs typeface="Arial" panose="020B0604020202020204" pitchFamily="34" charset="0"/>
+              </a:rPr>
+              <a:t>Categorize constructors into 3 tiers.</a:t>
+            </a:r>
+          </a:p>
+          <a:p>
+            <a:pPr marL="914400" lvl="1" indent="-457200">
+              <a:lnSpc>
+                <a:spcPct val="100000"/>
+              </a:lnSpc>
+              <a:buFont typeface="+mj-lt"/>
+              <a:buAutoNum type="arabicPeriod"/>
+            </a:pPr>
+            <a:r>
+              <a:rPr lang="en-US" altLang="zh-CN" dirty="0">
+                <a:latin typeface="Arial" panose="020B0604020202020204" pitchFamily="34" charset="0"/>
+                <a:cs typeface="Arial" panose="020B0604020202020204" pitchFamily="34" charset="0"/>
+              </a:rPr>
+              <a:t>Make link prediction between driver and constructor.</a:t>
+            </a:r>
+          </a:p>
+          <a:p>
+            <a:pPr marL="914400" lvl="1" indent="-457200">
+              <a:lnSpc>
+                <a:spcPct val="100000"/>
+              </a:lnSpc>
+              <a:buFont typeface="+mj-lt"/>
+              <a:buAutoNum type="arabicPeriod"/>
+            </a:pPr>
+            <a:r>
+              <a:rPr lang="en-US" altLang="zh-CN" dirty="0">
+                <a:latin typeface="Arial" panose="020B0604020202020204" pitchFamily="34" charset="0"/>
+                <a:cs typeface="Arial" panose="020B0604020202020204" pitchFamily="34" charset="0"/>
+              </a:rPr>
+              <a:t>Categorize drivers using python.</a:t>
+            </a:r>
+          </a:p>
+          <a:p>
+            <a:pPr marL="914400" lvl="1" indent="-457200">
+              <a:lnSpc>
+                <a:spcPct val="100000"/>
+              </a:lnSpc>
+              <a:buFont typeface="+mj-lt"/>
+              <a:buAutoNum type="arabicPeriod"/>
+            </a:pPr>
+            <a:endParaRPr lang="en-US" altLang="zh-CN" dirty="0">
+              <a:latin typeface="Arial" panose="020B0604020202020204" pitchFamily="34" charset="0"/>
+              <a:cs typeface="Arial" panose="020B0604020202020204" pitchFamily="34" charset="0"/>
+            </a:endParaRPr>
+          </a:p>
+          <a:p>
+            <a:pPr marL="914400" lvl="1" indent="-457200">
+              <a:lnSpc>
+                <a:spcPct val="100000"/>
+              </a:lnSpc>
+              <a:buFont typeface="+mj-lt"/>
+              <a:buAutoNum type="arabicPeriod"/>
+            </a:pPr>
+            <a:endParaRPr lang="en-US" altLang="zh-CN" dirty="0">
+              <a:latin typeface="Arial" panose="020B0604020202020204" pitchFamily="34" charset="0"/>
+              <a:cs typeface="Arial" panose="020B0604020202020204" pitchFamily="34" charset="0"/>
+            </a:endParaRPr>
+          </a:p>
+          <a:p>
+            <a:pPr lvl="1">
+              <a:lnSpc>
+                <a:spcPct val="100000"/>
+              </a:lnSpc>
+            </a:pPr>
+            <a:endParaRPr lang="zh-CN" altLang="en-US" dirty="0">
+              <a:latin typeface="Arial" panose="020B0604020202020204" pitchFamily="34" charset="0"/>
+              <a:cs typeface="Arial" panose="020B0604020202020204" pitchFamily="34" charset="0"/>
+            </a:endParaRPr>
+          </a:p>
+        </p:txBody>
+      </p:sp>
+      <p:pic>
+        <p:nvPicPr>
+          <p:cNvPr id="76" name="Picture 53" descr="Racecar parked on the tracks">
+            <a:extLst>
+              <a:ext uri="{FF2B5EF4-FFF2-40B4-BE49-F238E27FC236}">
+                <a16:creationId xmlns:a16="http://schemas.microsoft.com/office/drawing/2014/main" id="{D9CB1C28-9F3E-0ECD-C58F-03AA5954E124}"/>
+              </a:ext>
+            </a:extLst>
+          </p:cNvPr>
+          <p:cNvPicPr>
+            <a:picLocks noChangeAspect="1"/>
+          </p:cNvPicPr>
+          <p:nvPr/>
+        </p:nvPicPr>
+        <p:blipFill rotWithShape="1">
+          <a:blip r:embed="rId2">
+            <a:alphaModFix amt="68000"/>
+          </a:blip>
+          <a:srcRect l="4687" r="32700"/>
+          <a:stretch/>
+        </p:blipFill>
+        <p:spPr>
+          <a:xfrm>
+            <a:off x="9736361" y="3879049"/>
+            <a:ext cx="2264389" cy="2477301"/>
+          </a:xfrm>
+          <a:custGeom>
+            <a:avLst/>
+            <a:gdLst/>
+            <a:ahLst/>
+            <a:cxnLst/>
+            <a:rect l="l" t="t" r="r" b="b"/>
+            <a:pathLst>
+              <a:path w="3152439" h="3448851">
+                <a:moveTo>
+                  <a:pt x="409034" y="0"/>
+                </a:moveTo>
+                <a:lnTo>
+                  <a:pt x="3152439" y="0"/>
+                </a:lnTo>
+                <a:lnTo>
+                  <a:pt x="3152439" y="3032147"/>
+                </a:lnTo>
+                <a:lnTo>
+                  <a:pt x="2735735" y="3448851"/>
+                </a:lnTo>
+                <a:lnTo>
+                  <a:pt x="0" y="3448851"/>
+                </a:lnTo>
+                <a:lnTo>
+                  <a:pt x="0" y="409034"/>
+                </a:lnTo>
+                <a:close/>
+              </a:path>
+            </a:pathLst>
+          </a:custGeom>
+          <a:noFill/>
+          <a:ln w="15875">
+            <a:solidFill>
+              <a:srgbClr val="FFFFFF">
+                <a:alpha val="40000"/>
+              </a:srgbClr>
+            </a:solidFill>
+          </a:ln>
+          <a:effectLst>
+            <a:innerShdw blurRad="57150" dist="38100" dir="14460000">
+              <a:prstClr val="black">
+                <a:alpha val="70000"/>
+              </a:prstClr>
+            </a:innerShdw>
+            <a:softEdge rad="127000"/>
+          </a:effectLst>
+        </p:spPr>
+      </p:pic>
+      <p:sp>
+        <p:nvSpPr>
+          <p:cNvPr id="4" name="灯片编号占位符 3">
+            <a:extLst>
+              <a:ext uri="{FF2B5EF4-FFF2-40B4-BE49-F238E27FC236}">
+                <a16:creationId xmlns:a16="http://schemas.microsoft.com/office/drawing/2014/main" id="{D7326280-6C0C-CC93-E154-B95EF721FD19}"/>
+              </a:ext>
+            </a:extLst>
+          </p:cNvPr>
+          <p:cNvSpPr>
+            <a:spLocks noGrp="1"/>
+          </p:cNvSpPr>
+          <p:nvPr>
+            <p:ph type="sldNum" sz="quarter" idx="12"/>
+          </p:nvPr>
+        </p:nvSpPr>
+        <p:spPr/>
+        <p:txBody>
+          <a:bodyPr vert="horz" lIns="91440" tIns="45720" rIns="91440" bIns="45720" rtlCol="0" anchor="ctr"/>
+          <a:lstStyle/>
+          <a:p>
+            <a:fld id="{49ABCAEC-7D34-E549-A96E-FCEDAADBE4B0}" type="slidenum">
+              <a:rPr lang="en-US" sz="2400" b="1" smtClean="0">
+                <a:solidFill>
+                  <a:schemeClr val="tx1"/>
+                </a:solidFill>
+                <a:latin typeface="Arial" panose="020B0604020202020204" pitchFamily="34" charset="0"/>
+                <a:cs typeface="Arial" panose="020B0604020202020204" pitchFamily="34" charset="0"/>
+              </a:rPr>
+              <a:pPr/>
+              <a:t>5</a:t>
             </a:fld>
             <a:endParaRPr lang="en-US" sz="2400" b="1" dirty="0">
               <a:solidFill>
@@ -16015,7 +17599,7 @@
 </p:sld>
 </file>
 
-<file path=ppt/slides/slide5.xml><?xml version="1.0" encoding="utf-8"?>
+<file path=ppt/slides/slide6.xml><?xml version="1.0" encoding="utf-8"?>
 <p:sld xmlns:a="http://schemas.openxmlformats.org/drawingml/2006/main" xmlns:r="http://schemas.openxmlformats.org/officeDocument/2006/relationships" xmlns:p="http://schemas.openxmlformats.org/presentationml/2006/main">
   <p:cSld>
     <p:bg>
@@ -16124,8 +17708,8 @@
         </p:nvSpPr>
         <p:spPr>
           <a:xfrm>
-            <a:off x="845127" y="1291590"/>
-            <a:ext cx="8891234" cy="4888547"/>
+            <a:off x="845126" y="1291590"/>
+            <a:ext cx="10515599" cy="4888547"/>
           </a:xfrm>
         </p:spPr>
         <p:txBody>
@@ -16145,6 +17729,13 @@
                 <a:cs typeface="Arial" panose="020B0604020202020204" pitchFamily="34" charset="0"/>
               </a:rPr>
               <a:t>  </a:t>
+            </a:r>
+            <a:r>
+              <a:rPr lang="en-US" altLang="zh-CN" sz="2000" dirty="0">
+                <a:latin typeface="Arial" panose="020B0604020202020204" pitchFamily="34" charset="0"/>
+                <a:cs typeface="Arial" panose="020B0604020202020204" pitchFamily="34" charset="0"/>
+              </a:rPr>
+              <a:t>Used cypher query, Renault RS27-2013 is the best engine</a:t>
             </a:r>
           </a:p>
           <a:p>
@@ -16277,7 +17868,7 @@
                 <a:cs typeface="Arial" panose="020B0604020202020204" pitchFamily="34" charset="0"/>
               </a:rPr>
               <a:pPr/>
-              <a:t>5</a:t>
+              <a:t>6</a:t>
             </a:fld>
             <a:endParaRPr lang="en-US" sz="2400" b="1" dirty="0">
               <a:solidFill>
@@ -16289,264 +17880,12 @@
           </a:p>
         </p:txBody>
       </p:sp>
-    </p:spTree>
-    <p:extLst>
-      <p:ext uri="{BB962C8B-B14F-4D97-AF65-F5344CB8AC3E}">
-        <p14:creationId xmlns:p14="http://schemas.microsoft.com/office/powerpoint/2010/main" val="320650763"/>
-      </p:ext>
-    </p:extLst>
-  </p:cSld>
-  <p:clrMapOvr>
-    <a:masterClrMapping/>
-  </p:clrMapOvr>
-  <p:timing>
-    <p:tnLst>
-      <p:par>
-        <p:cTn id="1" dur="indefinite" restart="never" nodeType="tmRoot">
-          <p:childTnLst>
-            <p:seq concurrent="1" nextAc="seek">
-              <p:cTn id="2" dur="indefinite" nodeType="mainSeq">
-                <p:childTnLst>
-                  <p:par>
-                    <p:cTn id="3" fill="hold">
-                      <p:stCondLst>
-                        <p:cond delay="indefinite"/>
-                        <p:cond evt="onBegin" delay="0">
-                          <p:tn val="2"/>
-                        </p:cond>
-                      </p:stCondLst>
-                      <p:childTnLst>
-                        <p:par>
-                          <p:cTn id="4" fill="hold">
-                            <p:stCondLst>
-                              <p:cond delay="0"/>
-                            </p:stCondLst>
-                            <p:childTnLst>
-                              <p:par>
-                                <p:cTn id="5" presetID="10" presetClass="entr" presetSubtype="0" fill="hold" grpId="0" nodeType="withEffect">
-                                  <p:stCondLst>
-                                    <p:cond delay="1000"/>
-                                  </p:stCondLst>
-                                  <p:iterate>
-                                    <p:tmPct val="10000"/>
-                                  </p:iterate>
-                                  <p:childTnLst>
-                                    <p:set>
-                                      <p:cBhvr>
-                                        <p:cTn id="6" dur="1" fill="hold">
-                                          <p:stCondLst>
-                                            <p:cond delay="0"/>
-                                          </p:stCondLst>
-                                        </p:cTn>
-                                        <p:tgtEl>
-                                          <p:spTgt spid="2"/>
-                                        </p:tgtEl>
-                                        <p:attrNameLst>
-                                          <p:attrName>style.visibility</p:attrName>
-                                        </p:attrNameLst>
-                                      </p:cBhvr>
-                                      <p:to>
-                                        <p:strVal val="visible"/>
-                                      </p:to>
-                                    </p:set>
-                                    <p:animEffect transition="in" filter="fade">
-                                      <p:cBhvr>
-                                        <p:cTn id="7" dur="700"/>
-                                        <p:tgtEl>
-                                          <p:spTgt spid="2"/>
-                                        </p:tgtEl>
-                                      </p:cBhvr>
-                                    </p:animEffect>
-                                  </p:childTnLst>
-                                </p:cTn>
-                              </p:par>
-                            </p:childTnLst>
-                          </p:cTn>
-                        </p:par>
-                      </p:childTnLst>
-                    </p:cTn>
-                  </p:par>
-                </p:childTnLst>
-              </p:cTn>
-              <p:prevCondLst>
-                <p:cond evt="onPrev" delay="0">
-                  <p:tgtEl>
-                    <p:sldTgt/>
-                  </p:tgtEl>
-                </p:cond>
-              </p:prevCondLst>
-              <p:nextCondLst>
-                <p:cond evt="onNext" delay="0">
-                  <p:tgtEl>
-                    <p:sldTgt/>
-                  </p:tgtEl>
-                </p:cond>
-              </p:nextCondLst>
-            </p:seq>
-          </p:childTnLst>
-        </p:cTn>
-      </p:par>
-    </p:tnLst>
-    <p:bldLst>
-      <p:bldP spid="2" grpId="0"/>
-    </p:bldLst>
-  </p:timing>
-</p:sld>
-</file>
-
-<file path=ppt/slides/slide6.xml><?xml version="1.0" encoding="utf-8"?>
-<p:sld xmlns:a="http://schemas.openxmlformats.org/drawingml/2006/main" xmlns:r="http://schemas.openxmlformats.org/officeDocument/2006/relationships" xmlns:p="http://schemas.openxmlformats.org/presentationml/2006/main">
-  <p:cSld>
-    <p:bg>
-      <p:bgPr>
-        <a:gradFill>
-          <a:gsLst>
-            <a:gs pos="10000">
-              <a:schemeClr val="bg2">
-                <a:tint val="97000"/>
-                <a:hueMod val="92000"/>
-                <a:satMod val="169000"/>
-                <a:lumMod val="164000"/>
-              </a:schemeClr>
-            </a:gs>
-            <a:gs pos="100000">
-              <a:schemeClr val="bg2">
-                <a:shade val="96000"/>
-                <a:satMod val="120000"/>
-                <a:lumMod val="90000"/>
-              </a:schemeClr>
-            </a:gs>
-          </a:gsLst>
-          <a:lin ang="6120000" scaled="1"/>
-        </a:gradFill>
-        <a:effectLst/>
-      </p:bgPr>
-    </p:bg>
-    <p:spTree>
-      <p:nvGrpSpPr>
-        <p:cNvPr id="1" name=""/>
-        <p:cNvGrpSpPr/>
-        <p:nvPr/>
-      </p:nvGrpSpPr>
-      <p:grpSpPr>
-        <a:xfrm>
-          <a:off x="0" y="0"/>
-          <a:ext cx="0" cy="0"/>
-          <a:chOff x="0" y="0"/>
-          <a:chExt cx="0" cy="0"/>
-        </a:xfrm>
-      </p:grpSpPr>
-      <p:sp>
-        <p:nvSpPr>
-          <p:cNvPr id="2" name="标题 1">
+      <p:pic>
+        <p:nvPicPr>
+          <p:cNvPr id="6" name="Picture 5" descr="A screenshot of a computer&#10;&#10;Description automatically generated">
             <a:extLst>
               <a:ext uri="{FF2B5EF4-FFF2-40B4-BE49-F238E27FC236}">
-                <a16:creationId xmlns:a16="http://schemas.microsoft.com/office/drawing/2014/main" id="{13E67E0E-13CE-C2E4-6A8D-03FC7CD47C2F}"/>
-              </a:ext>
-            </a:extLst>
-          </p:cNvPr>
-          <p:cNvSpPr>
-            <a:spLocks noGrp="1"/>
-          </p:cNvSpPr>
-          <p:nvPr>
-            <p:ph type="title"/>
-          </p:nvPr>
-        </p:nvSpPr>
-        <p:spPr>
-          <a:xfrm>
-            <a:off x="845127" y="365760"/>
-            <a:ext cx="10515600" cy="701040"/>
-          </a:xfrm>
-        </p:spPr>
-        <p:txBody>
-          <a:bodyPr vert="horz" lIns="91440" tIns="45720" rIns="91440" bIns="45720" rtlCol="0" anchor="b">
-            <a:normAutofit/>
-          </a:bodyPr>
-          <a:lstStyle/>
-          <a:p>
-            <a:r>
-              <a:rPr lang="en-US" altLang="zh-CN" sz="4000" b="1" dirty="0">
-                <a:latin typeface="Arial" panose="020B0604020202020204" pitchFamily="34" charset="0"/>
-                <a:cs typeface="Arial" panose="020B0604020202020204" pitchFamily="34" charset="0"/>
-              </a:rPr>
-              <a:t>Quetsions-2</a:t>
-            </a:r>
-          </a:p>
-        </p:txBody>
-      </p:sp>
-      <p:sp>
-        <p:nvSpPr>
-          <p:cNvPr id="3" name="内容占位符 2">
-            <a:extLst>
-              <a:ext uri="{FF2B5EF4-FFF2-40B4-BE49-F238E27FC236}">
-                <a16:creationId xmlns:a16="http://schemas.microsoft.com/office/drawing/2014/main" id="{99DADAB8-A93C-6E96-FF8E-9D26524DA39E}"/>
-              </a:ext>
-            </a:extLst>
-          </p:cNvPr>
-          <p:cNvSpPr>
-            <a:spLocks noGrp="1"/>
-          </p:cNvSpPr>
-          <p:nvPr>
-            <p:ph idx="1"/>
-          </p:nvPr>
-        </p:nvSpPr>
-        <p:spPr>
-          <a:xfrm>
-            <a:off x="845127" y="1291590"/>
-            <a:ext cx="8891234" cy="4888547"/>
-          </a:xfrm>
-        </p:spPr>
-        <p:txBody>
-          <a:bodyPr>
-            <a:normAutofit/>
-          </a:bodyPr>
-          <a:lstStyle/>
-          <a:p>
-            <a:pPr lvl="1">
-              <a:lnSpc>
-                <a:spcPct val="100000"/>
-              </a:lnSpc>
-            </a:pPr>
-            <a:r>
-              <a:rPr lang="en-US" altLang="zh-CN" dirty="0">
-                <a:latin typeface="Arial" panose="020B0604020202020204" pitchFamily="34" charset="0"/>
-                <a:cs typeface="Arial" panose="020B0604020202020204" pitchFamily="34" charset="0"/>
-              </a:rPr>
-              <a:t>  </a:t>
-            </a:r>
-          </a:p>
-          <a:p>
-            <a:pPr marL="914400" lvl="1" indent="-457200">
-              <a:lnSpc>
-                <a:spcPct val="100000"/>
-              </a:lnSpc>
-              <a:buFont typeface="+mj-lt"/>
-              <a:buAutoNum type="arabicPeriod"/>
-            </a:pPr>
-            <a:endParaRPr lang="en-US" altLang="zh-CN" dirty="0">
-              <a:latin typeface="Arial" panose="020B0604020202020204" pitchFamily="34" charset="0"/>
-              <a:cs typeface="Arial" panose="020B0604020202020204" pitchFamily="34" charset="0"/>
-            </a:endParaRPr>
-          </a:p>
-          <a:p>
-            <a:pPr lvl="1">
-              <a:lnSpc>
-                <a:spcPct val="100000"/>
-              </a:lnSpc>
-            </a:pPr>
-            <a:endParaRPr lang="zh-CN" altLang="en-US" dirty="0">
-              <a:latin typeface="Arial" panose="020B0604020202020204" pitchFamily="34" charset="0"/>
-              <a:cs typeface="Arial" panose="020B0604020202020204" pitchFamily="34" charset="0"/>
-            </a:endParaRPr>
-          </a:p>
-        </p:txBody>
-      </p:sp>
-      <p:pic>
-        <p:nvPicPr>
-          <p:cNvPr id="76" name="Picture 53" descr="Racecar parked on the tracks">
-            <a:extLst>
-              <a:ext uri="{FF2B5EF4-FFF2-40B4-BE49-F238E27FC236}">
-                <a16:creationId xmlns:a16="http://schemas.microsoft.com/office/drawing/2014/main" id="{D9CB1C28-9F3E-0ECD-C58F-03AA5954E124}"/>
+                <a16:creationId xmlns:a16="http://schemas.microsoft.com/office/drawing/2014/main" id="{42F30FB2-F0F4-A635-B03A-6221B3AD03C8}"/>
               </a:ext>
             </a:extLst>
           </p:cNvPr>
@@ -16556,111 +17895,82 @@
           <p:nvPr/>
         </p:nvPicPr>
         <p:blipFill rotWithShape="1">
-          <a:blip r:embed="rId2">
-            <a:alphaModFix amt="68000"/>
+          <a:blip r:embed="rId3">
+            <a:extLst>
+              <a:ext uri="{28A0092B-C50C-407E-A947-70E740481C1C}">
+                <a14:useLocalDpi xmlns:a14="http://schemas.microsoft.com/office/drawing/2010/main" val="0"/>
+              </a:ext>
+            </a:extLst>
           </a:blip>
-          <a:srcRect l="4687" r="32700"/>
+          <a:srcRect r="13812"/>
           <a:stretch/>
         </p:blipFill>
         <p:spPr>
           <a:xfrm>
-            <a:off x="9736361" y="3879049"/>
-            <a:ext cx="2264389" cy="2477301"/>
+            <a:off x="571500" y="1931988"/>
+            <a:ext cx="9027701" cy="4424362"/>
           </a:xfrm>
-          <a:custGeom>
+          <a:prstGeom prst="rect">
             <a:avLst/>
-            <a:gdLst/>
-            <a:ahLst/>
-            <a:cxnLst/>
-            <a:rect l="l" t="t" r="r" b="b"/>
-            <a:pathLst>
-              <a:path w="3152439" h="3448851">
-                <a:moveTo>
-                  <a:pt x="409034" y="0"/>
-                </a:moveTo>
-                <a:lnTo>
-                  <a:pt x="3152439" y="0"/>
-                </a:lnTo>
-                <a:lnTo>
-                  <a:pt x="3152439" y="3032147"/>
-                </a:lnTo>
-                <a:lnTo>
-                  <a:pt x="2735735" y="3448851"/>
-                </a:lnTo>
-                <a:lnTo>
-                  <a:pt x="0" y="3448851"/>
-                </a:lnTo>
-                <a:lnTo>
-                  <a:pt x="0" y="409034"/>
-                </a:lnTo>
-                <a:close/>
-              </a:path>
-            </a:pathLst>
-          </a:custGeom>
-          <a:noFill/>
-          <a:ln w="15875">
-            <a:solidFill>
-              <a:srgbClr val="FFFFFF">
-                <a:alpha val="40000"/>
-              </a:srgbClr>
-            </a:solidFill>
-          </a:ln>
-          <a:effectLst>
-            <a:innerShdw blurRad="57150" dist="38100" dir="14460000">
-              <a:prstClr val="black">
-                <a:alpha val="70000"/>
-              </a:prstClr>
-            </a:innerShdw>
-            <a:softEdge rad="127000"/>
-          </a:effectLst>
+          </a:prstGeom>
         </p:spPr>
       </p:pic>
       <p:sp>
         <p:nvSpPr>
-          <p:cNvPr id="4" name="灯片编号占位符 3">
+          <p:cNvPr id="7" name="Rectangle 6">
             <a:extLst>
               <a:ext uri="{FF2B5EF4-FFF2-40B4-BE49-F238E27FC236}">
-                <a16:creationId xmlns:a16="http://schemas.microsoft.com/office/drawing/2014/main" id="{41855B0A-4CDD-C793-BCCC-7EB2B4E54755}"/>
+                <a16:creationId xmlns:a16="http://schemas.microsoft.com/office/drawing/2014/main" id="{55488A72-82DC-2B23-4EA6-E337A48C6B9E}"/>
               </a:ext>
             </a:extLst>
           </p:cNvPr>
-          <p:cNvSpPr>
-            <a:spLocks noGrp="1"/>
-          </p:cNvSpPr>
-          <p:nvPr>
-            <p:ph type="sldNum" sz="quarter" idx="12"/>
-          </p:nvPr>
-        </p:nvSpPr>
-        <p:spPr/>
-        <p:txBody>
-          <a:bodyPr vert="horz" lIns="91440" tIns="45720" rIns="91440" bIns="45720" rtlCol="0" anchor="ctr"/>
+          <p:cNvSpPr/>
+          <p:nvPr/>
+        </p:nvSpPr>
+        <p:spPr>
+          <a:xfrm>
+            <a:off x="1234440" y="3479483"/>
+            <a:ext cx="2446020" cy="402423"/>
+          </a:xfrm>
+          <a:prstGeom prst="rect">
+            <a:avLst/>
+          </a:prstGeom>
+          <a:noFill/>
+          <a:ln>
+            <a:solidFill>
+              <a:srgbClr val="FF0000"/>
+            </a:solidFill>
+          </a:ln>
+        </p:spPr>
+        <p:style>
+          <a:lnRef idx="2">
+            <a:schemeClr val="accent1">
+              <a:shade val="15000"/>
+            </a:schemeClr>
+          </a:lnRef>
+          <a:fillRef idx="1">
+            <a:schemeClr val="accent1"/>
+          </a:fillRef>
+          <a:effectRef idx="0">
+            <a:schemeClr val="accent1"/>
+          </a:effectRef>
+          <a:fontRef idx="minor">
+            <a:schemeClr val="lt1"/>
+          </a:fontRef>
+        </p:style>
+        <p:txBody>
+          <a:bodyPr rtlCol="0" anchor="ctr"/>
           <a:lstStyle/>
           <a:p>
-            <a:fld id="{49ABCAEC-7D34-E549-A96E-FCEDAADBE4B0}" type="slidenum">
-              <a:rPr lang="en-US" sz="2400" b="1" smtClean="0">
-                <a:solidFill>
-                  <a:schemeClr val="tx1"/>
-                </a:solidFill>
-                <a:latin typeface="Arial" panose="020B0604020202020204" pitchFamily="34" charset="0"/>
-                <a:cs typeface="Arial" panose="020B0604020202020204" pitchFamily="34" charset="0"/>
-              </a:rPr>
-              <a:pPr/>
-              <a:t>6</a:t>
-            </a:fld>
-            <a:endParaRPr lang="en-US" sz="2400" b="1" dirty="0">
-              <a:solidFill>
-                <a:schemeClr val="tx1"/>
-              </a:solidFill>
-              <a:latin typeface="Arial" panose="020B0604020202020204" pitchFamily="34" charset="0"/>
-              <a:cs typeface="Arial" panose="020B0604020202020204" pitchFamily="34" charset="0"/>
-            </a:endParaRPr>
+            <a:pPr algn="ctr"/>
+            <a:endParaRPr lang="en-HK"/>
           </a:p>
         </p:txBody>
       </p:sp>
     </p:spTree>
     <p:extLst>
       <p:ext uri="{BB962C8B-B14F-4D97-AF65-F5344CB8AC3E}">
-        <p14:creationId xmlns:p14="http://schemas.microsoft.com/office/powerpoint/2010/main" val="4177435105"/>
+        <p14:creationId xmlns:p14="http://schemas.microsoft.com/office/powerpoint/2010/main" val="320650763"/>
       </p:ext>
     </p:extLst>
   </p:cSld>
@@ -16822,8 +18132,8 @@
         </p:nvSpPr>
         <p:spPr>
           <a:xfrm>
-            <a:off x="845127" y="365760"/>
-            <a:ext cx="10515600" cy="701040"/>
+            <a:off x="845127" y="365759"/>
+            <a:ext cx="10515600" cy="1943101"/>
           </a:xfrm>
         </p:spPr>
         <p:txBody>
@@ -16833,20 +18143,26 @@
           <a:lstStyle/>
           <a:p>
             <a:r>
-              <a:rPr lang="en-US" altLang="zh-CN" sz="3600" b="1" dirty="0">
+              <a:rPr lang="en-US" altLang="zh-CN" sz="4000" b="1" dirty="0">
                 <a:latin typeface="Arial" panose="020B0604020202020204" pitchFamily="34" charset="0"/>
                 <a:cs typeface="Arial" panose="020B0604020202020204" pitchFamily="34" charset="0"/>
               </a:rPr>
-              <a:t>Quetsions-3: </a:t>
-            </a:r>
-            <a:r>
-              <a:rPr lang="en-US" altLang="zh-CN" sz="3600" dirty="0">
+              <a:t>Quetsions-2 </a:t>
+            </a:r>
+            <a:r>
+              <a:rPr lang="en-US" altLang="zh-CN" sz="4000" dirty="0">
                 <a:latin typeface="Arial" panose="020B0604020202020204" pitchFamily="34" charset="0"/>
                 <a:cs typeface="Arial" panose="020B0604020202020204" pitchFamily="34" charset="0"/>
               </a:rPr>
-              <a:t>Categorize constructors </a:t>
-            </a:r>
-            <a:endParaRPr lang="en-US" altLang="zh-CN" sz="3600" b="1" dirty="0">
+              <a:t>Top 5 drivers who has the most retirement?</a:t>
+            </a:r>
+            <a:br>
+              <a:rPr lang="en-US" altLang="zh-CN" sz="4000" dirty="0">
+                <a:latin typeface="Arial" panose="020B0604020202020204" pitchFamily="34" charset="0"/>
+                <a:cs typeface="Arial" panose="020B0604020202020204" pitchFamily="34" charset="0"/>
+              </a:rPr>
+            </a:br>
+            <a:endParaRPr lang="en-US" altLang="zh-CN" sz="4000" b="1" dirty="0">
               <a:latin typeface="Arial" panose="020B0604020202020204" pitchFamily="34" charset="0"/>
               <a:cs typeface="Arial" panose="020B0604020202020204" pitchFamily="34" charset="0"/>
             </a:endParaRPr>
@@ -16871,8 +18187,8 @@
         </p:nvSpPr>
         <p:spPr>
           <a:xfrm>
-            <a:off x="845127" y="1291590"/>
-            <a:ext cx="8891234" cy="4888547"/>
+            <a:off x="845127" y="1725930"/>
+            <a:ext cx="8891234" cy="4454207"/>
           </a:xfrm>
         </p:spPr>
         <p:txBody>
@@ -16891,109 +18207,7 @@
                 <a:latin typeface="Arial" panose="020B0604020202020204" pitchFamily="34" charset="0"/>
                 <a:cs typeface="Arial" panose="020B0604020202020204" pitchFamily="34" charset="0"/>
               </a:rPr>
-              <a:t>Cypher</a:t>
-            </a:r>
-          </a:p>
-          <a:p>
-            <a:pPr lvl="1">
-              <a:lnSpc>
-                <a:spcPct val="100000"/>
-              </a:lnSpc>
-            </a:pPr>
-            <a:r>
-              <a:rPr lang="en-US" altLang="zh-CN" dirty="0">
-                <a:latin typeface="Arial" panose="020B0604020202020204" pitchFamily="34" charset="0"/>
-                <a:cs typeface="Arial" panose="020B0604020202020204" pitchFamily="34" charset="0"/>
-              </a:rPr>
-              <a:t>GDS Library</a:t>
-            </a:r>
-          </a:p>
-          <a:p>
-            <a:pPr lvl="1">
-              <a:lnSpc>
-                <a:spcPct val="100000"/>
-              </a:lnSpc>
-            </a:pPr>
-            <a:r>
-              <a:rPr lang="en-US" altLang="zh-CN" dirty="0">
-                <a:latin typeface="Arial" panose="020B0604020202020204" pitchFamily="34" charset="0"/>
-                <a:cs typeface="Arial" panose="020B0604020202020204" pitchFamily="34" charset="0"/>
-              </a:rPr>
-              <a:t>Steps:</a:t>
-            </a:r>
-          </a:p>
-          <a:p>
-            <a:pPr marL="1371600" lvl="2" indent="-457200">
-              <a:lnSpc>
-                <a:spcPct val="100000"/>
-              </a:lnSpc>
-              <a:buFont typeface="+mj-lt"/>
-              <a:buAutoNum type="arabicPeriod"/>
-            </a:pPr>
-            <a:r>
-              <a:rPr lang="en-US" altLang="zh-CN" dirty="0">
-                <a:latin typeface="Arial" panose="020B0604020202020204" pitchFamily="34" charset="0"/>
-                <a:cs typeface="Arial" panose="020B0604020202020204" pitchFamily="34" charset="0"/>
-              </a:rPr>
-              <a:t>Sum total points per constructor</a:t>
-            </a:r>
-          </a:p>
-          <a:p>
-            <a:pPr marL="1371600" lvl="2" indent="-457200">
-              <a:lnSpc>
-                <a:spcPct val="100000"/>
-              </a:lnSpc>
-              <a:buFont typeface="+mj-lt"/>
-              <a:buAutoNum type="arabicPeriod"/>
-            </a:pPr>
-            <a:r>
-              <a:rPr lang="en-US" altLang="zh-CN" dirty="0">
-                <a:latin typeface="Arial" panose="020B0604020202020204" pitchFamily="34" charset="0"/>
-                <a:cs typeface="Arial" panose="020B0604020202020204" pitchFamily="34" charset="0"/>
-              </a:rPr>
-              <a:t>Create graph</a:t>
-            </a:r>
-          </a:p>
-          <a:p>
-            <a:pPr marL="1371600" lvl="2" indent="-457200">
-              <a:lnSpc>
-                <a:spcPct val="100000"/>
-              </a:lnSpc>
-              <a:buFont typeface="+mj-lt"/>
-              <a:buAutoNum type="arabicPeriod"/>
-            </a:pPr>
-            <a:r>
-              <a:rPr lang="en-US" altLang="zh-CN" dirty="0">
-                <a:latin typeface="Arial" panose="020B0604020202020204" pitchFamily="34" charset="0"/>
-                <a:cs typeface="Arial" panose="020B0604020202020204" pitchFamily="34" charset="0"/>
-              </a:rPr>
-              <a:t>k-mean clustering</a:t>
-            </a:r>
-          </a:p>
-          <a:p>
-            <a:pPr marL="914400" lvl="2" indent="0">
-              <a:lnSpc>
-                <a:spcPct val="100000"/>
-              </a:lnSpc>
-              <a:buNone/>
-            </a:pPr>
-            <a:endParaRPr lang="en-US" altLang="zh-CN" dirty="0">
-              <a:latin typeface="Arial" panose="020B0604020202020204" pitchFamily="34" charset="0"/>
-              <a:cs typeface="Arial" panose="020B0604020202020204" pitchFamily="34" charset="0"/>
-            </a:endParaRPr>
-          </a:p>
-          <a:p>
-            <a:pPr marL="720725" lvl="2" indent="-274638">
-              <a:lnSpc>
-                <a:spcPct val="100000"/>
-              </a:lnSpc>
-            </a:pPr>
-            <a:r>
-              <a:rPr lang="en-US" altLang="zh-CN" dirty="0">
-                <a:latin typeface="Arial" panose="020B0604020202020204" pitchFamily="34" charset="0"/>
-                <a:cs typeface="Arial" panose="020B0604020202020204" pitchFamily="34" charset="0"/>
-              </a:rPr>
-              <a:t>Neo4j Demo </a:t>
+              <a:t>  </a:t>
             </a:r>
           </a:p>
           <a:p>
@@ -17101,7 +18315,7 @@
           <p:cNvPr id="4" name="灯片编号占位符 3">
             <a:extLst>
               <a:ext uri="{FF2B5EF4-FFF2-40B4-BE49-F238E27FC236}">
-                <a16:creationId xmlns:a16="http://schemas.microsoft.com/office/drawing/2014/main" id="{487B39F0-B74F-7408-BAC0-35AF16AF0D28}"/>
+                <a16:creationId xmlns:a16="http://schemas.microsoft.com/office/drawing/2014/main" id="{41855B0A-4CDD-C793-BCCC-7EB2B4E54755}"/>
               </a:ext>
             </a:extLst>
           </p:cNvPr>
@@ -17127,6 +18341,574 @@
               </a:rPr>
               <a:pPr/>
               <a:t>7</a:t>
+            </a:fld>
+            <a:endParaRPr lang="en-US" sz="2400" b="1" dirty="0">
+              <a:solidFill>
+                <a:schemeClr val="tx1"/>
+              </a:solidFill>
+              <a:latin typeface="Arial" panose="020B0604020202020204" pitchFamily="34" charset="0"/>
+              <a:cs typeface="Arial" panose="020B0604020202020204" pitchFamily="34" charset="0"/>
+            </a:endParaRPr>
+          </a:p>
+        </p:txBody>
+      </p:sp>
+      <p:pic>
+        <p:nvPicPr>
+          <p:cNvPr id="6" name="Picture 5" descr="A screenshot of a computer&#10;&#10;Description automatically generated">
+            <a:extLst>
+              <a:ext uri="{FF2B5EF4-FFF2-40B4-BE49-F238E27FC236}">
+                <a16:creationId xmlns:a16="http://schemas.microsoft.com/office/drawing/2014/main" id="{33144AC4-C6F1-FD00-ECC0-DB0DFCE6B3D1}"/>
+              </a:ext>
+            </a:extLst>
+          </p:cNvPr>
+          <p:cNvPicPr>
+            <a:picLocks noChangeAspect="1"/>
+          </p:cNvPicPr>
+          <p:nvPr/>
+        </p:nvPicPr>
+        <p:blipFill rotWithShape="1">
+          <a:blip r:embed="rId3">
+            <a:extLst>
+              <a:ext uri="{28A0092B-C50C-407E-A947-70E740481C1C}">
+                <a14:useLocalDpi xmlns:a14="http://schemas.microsoft.com/office/drawing/2010/main" val="0"/>
+              </a:ext>
+            </a:extLst>
+          </a:blip>
+          <a:srcRect r="15394"/>
+          <a:stretch/>
+        </p:blipFill>
+        <p:spPr>
+          <a:xfrm>
+            <a:off x="676805" y="1659452"/>
+            <a:ext cx="8661505" cy="5170094"/>
+          </a:xfrm>
+          <a:prstGeom prst="rect">
+            <a:avLst/>
+          </a:prstGeom>
+        </p:spPr>
+      </p:pic>
+      <p:sp>
+        <p:nvSpPr>
+          <p:cNvPr id="7" name="Rectangle 6">
+            <a:extLst>
+              <a:ext uri="{FF2B5EF4-FFF2-40B4-BE49-F238E27FC236}">
+                <a16:creationId xmlns:a16="http://schemas.microsoft.com/office/drawing/2014/main" id="{F28F7AB0-1F43-7066-1973-DF0A25C55A09}"/>
+              </a:ext>
+            </a:extLst>
+          </p:cNvPr>
+          <p:cNvSpPr/>
+          <p:nvPr/>
+        </p:nvSpPr>
+        <p:spPr>
+          <a:xfrm>
+            <a:off x="1234440" y="3479483"/>
+            <a:ext cx="2446020" cy="2876867"/>
+          </a:xfrm>
+          <a:prstGeom prst="rect">
+            <a:avLst/>
+          </a:prstGeom>
+          <a:noFill/>
+          <a:ln>
+            <a:solidFill>
+              <a:srgbClr val="FF0000"/>
+            </a:solidFill>
+          </a:ln>
+        </p:spPr>
+        <p:style>
+          <a:lnRef idx="2">
+            <a:schemeClr val="accent1">
+              <a:shade val="15000"/>
+            </a:schemeClr>
+          </a:lnRef>
+          <a:fillRef idx="1">
+            <a:schemeClr val="accent1"/>
+          </a:fillRef>
+          <a:effectRef idx="0">
+            <a:schemeClr val="accent1"/>
+          </a:effectRef>
+          <a:fontRef idx="minor">
+            <a:schemeClr val="lt1"/>
+          </a:fontRef>
+        </p:style>
+        <p:txBody>
+          <a:bodyPr rtlCol="0" anchor="ctr"/>
+          <a:lstStyle/>
+          <a:p>
+            <a:pPr algn="ctr"/>
+            <a:endParaRPr lang="en-HK"/>
+          </a:p>
+        </p:txBody>
+      </p:sp>
+    </p:spTree>
+    <p:extLst>
+      <p:ext uri="{BB962C8B-B14F-4D97-AF65-F5344CB8AC3E}">
+        <p14:creationId xmlns:p14="http://schemas.microsoft.com/office/powerpoint/2010/main" val="4177435105"/>
+      </p:ext>
+    </p:extLst>
+  </p:cSld>
+  <p:clrMapOvr>
+    <a:masterClrMapping/>
+  </p:clrMapOvr>
+  <p:timing>
+    <p:tnLst>
+      <p:par>
+        <p:cTn id="1" dur="indefinite" restart="never" nodeType="tmRoot">
+          <p:childTnLst>
+            <p:seq concurrent="1" nextAc="seek">
+              <p:cTn id="2" dur="indefinite" nodeType="mainSeq">
+                <p:childTnLst>
+                  <p:par>
+                    <p:cTn id="3" fill="hold">
+                      <p:stCondLst>
+                        <p:cond delay="indefinite"/>
+                        <p:cond evt="onBegin" delay="0">
+                          <p:tn val="2"/>
+                        </p:cond>
+                      </p:stCondLst>
+                      <p:childTnLst>
+                        <p:par>
+                          <p:cTn id="4" fill="hold">
+                            <p:stCondLst>
+                              <p:cond delay="0"/>
+                            </p:stCondLst>
+                            <p:childTnLst>
+                              <p:par>
+                                <p:cTn id="5" presetID="10" presetClass="entr" presetSubtype="0" fill="hold" grpId="0" nodeType="withEffect">
+                                  <p:stCondLst>
+                                    <p:cond delay="1000"/>
+                                  </p:stCondLst>
+                                  <p:iterate>
+                                    <p:tmPct val="10000"/>
+                                  </p:iterate>
+                                  <p:childTnLst>
+                                    <p:set>
+                                      <p:cBhvr>
+                                        <p:cTn id="6" dur="1" fill="hold">
+                                          <p:stCondLst>
+                                            <p:cond delay="0"/>
+                                          </p:stCondLst>
+                                        </p:cTn>
+                                        <p:tgtEl>
+                                          <p:spTgt spid="2"/>
+                                        </p:tgtEl>
+                                        <p:attrNameLst>
+                                          <p:attrName>style.visibility</p:attrName>
+                                        </p:attrNameLst>
+                                      </p:cBhvr>
+                                      <p:to>
+                                        <p:strVal val="visible"/>
+                                      </p:to>
+                                    </p:set>
+                                    <p:animEffect transition="in" filter="fade">
+                                      <p:cBhvr>
+                                        <p:cTn id="7" dur="700"/>
+                                        <p:tgtEl>
+                                          <p:spTgt spid="2"/>
+                                        </p:tgtEl>
+                                      </p:cBhvr>
+                                    </p:animEffect>
+                                  </p:childTnLst>
+                                </p:cTn>
+                              </p:par>
+                            </p:childTnLst>
+                          </p:cTn>
+                        </p:par>
+                      </p:childTnLst>
+                    </p:cTn>
+                  </p:par>
+                </p:childTnLst>
+              </p:cTn>
+              <p:prevCondLst>
+                <p:cond evt="onPrev" delay="0">
+                  <p:tgtEl>
+                    <p:sldTgt/>
+                  </p:tgtEl>
+                </p:cond>
+              </p:prevCondLst>
+              <p:nextCondLst>
+                <p:cond evt="onNext" delay="0">
+                  <p:tgtEl>
+                    <p:sldTgt/>
+                  </p:tgtEl>
+                </p:cond>
+              </p:nextCondLst>
+            </p:seq>
+          </p:childTnLst>
+        </p:cTn>
+      </p:par>
+    </p:tnLst>
+    <p:bldLst>
+      <p:bldP spid="2" grpId="0"/>
+    </p:bldLst>
+  </p:timing>
+</p:sld>
+</file>
+
+<file path=ppt/slides/slide8.xml><?xml version="1.0" encoding="utf-8"?>
+<p:sld xmlns:a="http://schemas.openxmlformats.org/drawingml/2006/main" xmlns:r="http://schemas.openxmlformats.org/officeDocument/2006/relationships" xmlns:p="http://schemas.openxmlformats.org/presentationml/2006/main">
+  <p:cSld>
+    <p:bg>
+      <p:bgPr>
+        <a:gradFill>
+          <a:gsLst>
+            <a:gs pos="10000">
+              <a:schemeClr val="bg2">
+                <a:tint val="97000"/>
+                <a:hueMod val="92000"/>
+                <a:satMod val="169000"/>
+                <a:lumMod val="164000"/>
+              </a:schemeClr>
+            </a:gs>
+            <a:gs pos="100000">
+              <a:schemeClr val="bg2">
+                <a:shade val="96000"/>
+                <a:satMod val="120000"/>
+                <a:lumMod val="90000"/>
+              </a:schemeClr>
+            </a:gs>
+          </a:gsLst>
+          <a:lin ang="6120000" scaled="1"/>
+        </a:gradFill>
+        <a:effectLst/>
+      </p:bgPr>
+    </p:bg>
+    <p:spTree>
+      <p:nvGrpSpPr>
+        <p:cNvPr id="1" name=""/>
+        <p:cNvGrpSpPr/>
+        <p:nvPr/>
+      </p:nvGrpSpPr>
+      <p:grpSpPr>
+        <a:xfrm>
+          <a:off x="0" y="0"/>
+          <a:ext cx="0" cy="0"/>
+          <a:chOff x="0" y="0"/>
+          <a:chExt cx="0" cy="0"/>
+        </a:xfrm>
+      </p:grpSpPr>
+      <p:sp>
+        <p:nvSpPr>
+          <p:cNvPr id="2" name="标题 1">
+            <a:extLst>
+              <a:ext uri="{FF2B5EF4-FFF2-40B4-BE49-F238E27FC236}">
+                <a16:creationId xmlns:a16="http://schemas.microsoft.com/office/drawing/2014/main" id="{13E67E0E-13CE-C2E4-6A8D-03FC7CD47C2F}"/>
+              </a:ext>
+            </a:extLst>
+          </p:cNvPr>
+          <p:cNvSpPr>
+            <a:spLocks noGrp="1"/>
+          </p:cNvSpPr>
+          <p:nvPr>
+            <p:ph type="title"/>
+          </p:nvPr>
+        </p:nvSpPr>
+        <p:spPr>
+          <a:xfrm>
+            <a:off x="845127" y="365760"/>
+            <a:ext cx="10515600" cy="701040"/>
+          </a:xfrm>
+        </p:spPr>
+        <p:txBody>
+          <a:bodyPr vert="horz" lIns="91440" tIns="45720" rIns="91440" bIns="45720" rtlCol="0" anchor="b">
+            <a:normAutofit/>
+          </a:bodyPr>
+          <a:lstStyle/>
+          <a:p>
+            <a:r>
+              <a:rPr lang="en-US" altLang="zh-CN" sz="3600" b="1" dirty="0">
+                <a:latin typeface="Arial" panose="020B0604020202020204" pitchFamily="34" charset="0"/>
+                <a:cs typeface="Arial" panose="020B0604020202020204" pitchFamily="34" charset="0"/>
+              </a:rPr>
+              <a:t>Quetsions-3: </a:t>
+            </a:r>
+            <a:r>
+              <a:rPr lang="en-US" altLang="zh-CN" sz="3600" dirty="0">
+                <a:latin typeface="Arial" panose="020B0604020202020204" pitchFamily="34" charset="0"/>
+                <a:cs typeface="Arial" panose="020B0604020202020204" pitchFamily="34" charset="0"/>
+              </a:rPr>
+              <a:t>Categorize constructors </a:t>
+            </a:r>
+            <a:endParaRPr lang="en-US" altLang="zh-CN" sz="3600" b="1" dirty="0">
+              <a:latin typeface="Arial" panose="020B0604020202020204" pitchFamily="34" charset="0"/>
+              <a:cs typeface="Arial" panose="020B0604020202020204" pitchFamily="34" charset="0"/>
+            </a:endParaRPr>
+          </a:p>
+        </p:txBody>
+      </p:sp>
+      <p:sp>
+        <p:nvSpPr>
+          <p:cNvPr id="3" name="内容占位符 2">
+            <a:extLst>
+              <a:ext uri="{FF2B5EF4-FFF2-40B4-BE49-F238E27FC236}">
+                <a16:creationId xmlns:a16="http://schemas.microsoft.com/office/drawing/2014/main" id="{99DADAB8-A93C-6E96-FF8E-9D26524DA39E}"/>
+              </a:ext>
+            </a:extLst>
+          </p:cNvPr>
+          <p:cNvSpPr>
+            <a:spLocks noGrp="1"/>
+          </p:cNvSpPr>
+          <p:nvPr>
+            <p:ph idx="1"/>
+          </p:nvPr>
+        </p:nvSpPr>
+        <p:spPr>
+          <a:xfrm>
+            <a:off x="845127" y="1291590"/>
+            <a:ext cx="8891234" cy="4888547"/>
+          </a:xfrm>
+        </p:spPr>
+        <p:txBody>
+          <a:bodyPr>
+            <a:normAutofit/>
+          </a:bodyPr>
+          <a:lstStyle/>
+          <a:p>
+            <a:pPr lvl="1">
+              <a:lnSpc>
+                <a:spcPct val="100000"/>
+              </a:lnSpc>
+            </a:pPr>
+            <a:r>
+              <a:rPr lang="en-US" altLang="zh-CN" dirty="0">
+                <a:latin typeface="Arial" panose="020B0604020202020204" pitchFamily="34" charset="0"/>
+                <a:cs typeface="Arial" panose="020B0604020202020204" pitchFamily="34" charset="0"/>
+              </a:rPr>
+              <a:t>Cypher</a:t>
+            </a:r>
+          </a:p>
+          <a:p>
+            <a:pPr lvl="1">
+              <a:lnSpc>
+                <a:spcPct val="100000"/>
+              </a:lnSpc>
+            </a:pPr>
+            <a:r>
+              <a:rPr lang="en-US" altLang="zh-CN" dirty="0">
+                <a:latin typeface="Arial" panose="020B0604020202020204" pitchFamily="34" charset="0"/>
+                <a:cs typeface="Arial" panose="020B0604020202020204" pitchFamily="34" charset="0"/>
+              </a:rPr>
+              <a:t>GDS Library</a:t>
+            </a:r>
+          </a:p>
+          <a:p>
+            <a:pPr lvl="1">
+              <a:lnSpc>
+                <a:spcPct val="100000"/>
+              </a:lnSpc>
+            </a:pPr>
+            <a:r>
+              <a:rPr lang="en-US" altLang="zh-CN" dirty="0">
+                <a:latin typeface="Arial" panose="020B0604020202020204" pitchFamily="34" charset="0"/>
+                <a:cs typeface="Arial" panose="020B0604020202020204" pitchFamily="34" charset="0"/>
+              </a:rPr>
+              <a:t>Steps:</a:t>
+            </a:r>
+          </a:p>
+          <a:p>
+            <a:pPr marL="1371600" lvl="2" indent="-457200">
+              <a:lnSpc>
+                <a:spcPct val="100000"/>
+              </a:lnSpc>
+              <a:buFont typeface="+mj-lt"/>
+              <a:buAutoNum type="arabicPeriod"/>
+            </a:pPr>
+            <a:r>
+              <a:rPr lang="en-US" altLang="zh-CN" dirty="0">
+                <a:latin typeface="Arial" panose="020B0604020202020204" pitchFamily="34" charset="0"/>
+                <a:cs typeface="Arial" panose="020B0604020202020204" pitchFamily="34" charset="0"/>
+              </a:rPr>
+              <a:t>Sum total points per constructor</a:t>
+            </a:r>
+          </a:p>
+          <a:p>
+            <a:pPr marL="1371600" lvl="2" indent="-457200">
+              <a:lnSpc>
+                <a:spcPct val="100000"/>
+              </a:lnSpc>
+              <a:buFont typeface="+mj-lt"/>
+              <a:buAutoNum type="arabicPeriod"/>
+            </a:pPr>
+            <a:r>
+              <a:rPr lang="en-US" altLang="zh-CN" dirty="0">
+                <a:latin typeface="Arial" panose="020B0604020202020204" pitchFamily="34" charset="0"/>
+                <a:cs typeface="Arial" panose="020B0604020202020204" pitchFamily="34" charset="0"/>
+              </a:rPr>
+              <a:t>Create graph</a:t>
+            </a:r>
+          </a:p>
+          <a:p>
+            <a:pPr marL="1371600" lvl="2" indent="-457200">
+              <a:lnSpc>
+                <a:spcPct val="100000"/>
+              </a:lnSpc>
+              <a:buFont typeface="+mj-lt"/>
+              <a:buAutoNum type="arabicPeriod"/>
+            </a:pPr>
+            <a:r>
+              <a:rPr lang="en-US" altLang="zh-CN" dirty="0">
+                <a:latin typeface="Arial" panose="020B0604020202020204" pitchFamily="34" charset="0"/>
+                <a:cs typeface="Arial" panose="020B0604020202020204" pitchFamily="34" charset="0"/>
+              </a:rPr>
+              <a:t>k-mean clustering</a:t>
+            </a:r>
+          </a:p>
+          <a:p>
+            <a:pPr marL="914400" lvl="2" indent="0">
+              <a:lnSpc>
+                <a:spcPct val="100000"/>
+              </a:lnSpc>
+              <a:buNone/>
+            </a:pPr>
+            <a:endParaRPr lang="en-US" altLang="zh-CN" dirty="0">
+              <a:latin typeface="Arial" panose="020B0604020202020204" pitchFamily="34" charset="0"/>
+              <a:cs typeface="Arial" panose="020B0604020202020204" pitchFamily="34" charset="0"/>
+            </a:endParaRPr>
+          </a:p>
+          <a:p>
+            <a:pPr marL="720725" lvl="2" indent="-274638">
+              <a:lnSpc>
+                <a:spcPct val="100000"/>
+              </a:lnSpc>
+            </a:pPr>
+            <a:r>
+              <a:rPr lang="en-US" altLang="zh-CN" dirty="0">
+                <a:latin typeface="Arial" panose="020B0604020202020204" pitchFamily="34" charset="0"/>
+                <a:cs typeface="Arial" panose="020B0604020202020204" pitchFamily="34" charset="0"/>
+              </a:rPr>
+              <a:t>Neo4j Demo </a:t>
+            </a:r>
+          </a:p>
+          <a:p>
+            <a:pPr marL="914400" lvl="1" indent="-457200">
+              <a:lnSpc>
+                <a:spcPct val="100000"/>
+              </a:lnSpc>
+              <a:buFont typeface="+mj-lt"/>
+              <a:buAutoNum type="arabicPeriod"/>
+            </a:pPr>
+            <a:endParaRPr lang="en-US" altLang="zh-CN" dirty="0">
+              <a:latin typeface="Arial" panose="020B0604020202020204" pitchFamily="34" charset="0"/>
+              <a:cs typeface="Arial" panose="020B0604020202020204" pitchFamily="34" charset="0"/>
+            </a:endParaRPr>
+          </a:p>
+          <a:p>
+            <a:pPr lvl="1">
+              <a:lnSpc>
+                <a:spcPct val="100000"/>
+              </a:lnSpc>
+            </a:pPr>
+            <a:endParaRPr lang="zh-CN" altLang="en-US" dirty="0">
+              <a:latin typeface="Arial" panose="020B0604020202020204" pitchFamily="34" charset="0"/>
+              <a:cs typeface="Arial" panose="020B0604020202020204" pitchFamily="34" charset="0"/>
+            </a:endParaRPr>
+          </a:p>
+        </p:txBody>
+      </p:sp>
+      <p:pic>
+        <p:nvPicPr>
+          <p:cNvPr id="76" name="Picture 53" descr="Racecar parked on the tracks">
+            <a:extLst>
+              <a:ext uri="{FF2B5EF4-FFF2-40B4-BE49-F238E27FC236}">
+                <a16:creationId xmlns:a16="http://schemas.microsoft.com/office/drawing/2014/main" id="{D9CB1C28-9F3E-0ECD-C58F-03AA5954E124}"/>
+              </a:ext>
+            </a:extLst>
+          </p:cNvPr>
+          <p:cNvPicPr>
+            <a:picLocks noChangeAspect="1"/>
+          </p:cNvPicPr>
+          <p:nvPr/>
+        </p:nvPicPr>
+        <p:blipFill rotWithShape="1">
+          <a:blip r:embed="rId2">
+            <a:alphaModFix amt="68000"/>
+          </a:blip>
+          <a:srcRect l="4687" r="32700"/>
+          <a:stretch/>
+        </p:blipFill>
+        <p:spPr>
+          <a:xfrm>
+            <a:off x="9736361" y="3879049"/>
+            <a:ext cx="2264389" cy="2477301"/>
+          </a:xfrm>
+          <a:custGeom>
+            <a:avLst/>
+            <a:gdLst/>
+            <a:ahLst/>
+            <a:cxnLst/>
+            <a:rect l="l" t="t" r="r" b="b"/>
+            <a:pathLst>
+              <a:path w="3152439" h="3448851">
+                <a:moveTo>
+                  <a:pt x="409034" y="0"/>
+                </a:moveTo>
+                <a:lnTo>
+                  <a:pt x="3152439" y="0"/>
+                </a:lnTo>
+                <a:lnTo>
+                  <a:pt x="3152439" y="3032147"/>
+                </a:lnTo>
+                <a:lnTo>
+                  <a:pt x="2735735" y="3448851"/>
+                </a:lnTo>
+                <a:lnTo>
+                  <a:pt x="0" y="3448851"/>
+                </a:lnTo>
+                <a:lnTo>
+                  <a:pt x="0" y="409034"/>
+                </a:lnTo>
+                <a:close/>
+              </a:path>
+            </a:pathLst>
+          </a:custGeom>
+          <a:noFill/>
+          <a:ln w="15875">
+            <a:solidFill>
+              <a:srgbClr val="FFFFFF">
+                <a:alpha val="40000"/>
+              </a:srgbClr>
+            </a:solidFill>
+          </a:ln>
+          <a:effectLst>
+            <a:innerShdw blurRad="57150" dist="38100" dir="14460000">
+              <a:prstClr val="black">
+                <a:alpha val="70000"/>
+              </a:prstClr>
+            </a:innerShdw>
+            <a:softEdge rad="127000"/>
+          </a:effectLst>
+        </p:spPr>
+      </p:pic>
+      <p:sp>
+        <p:nvSpPr>
+          <p:cNvPr id="4" name="灯片编号占位符 3">
+            <a:extLst>
+              <a:ext uri="{FF2B5EF4-FFF2-40B4-BE49-F238E27FC236}">
+                <a16:creationId xmlns:a16="http://schemas.microsoft.com/office/drawing/2014/main" id="{487B39F0-B74F-7408-BAC0-35AF16AF0D28}"/>
+              </a:ext>
+            </a:extLst>
+          </p:cNvPr>
+          <p:cNvSpPr>
+            <a:spLocks noGrp="1"/>
+          </p:cNvSpPr>
+          <p:nvPr>
+            <p:ph type="sldNum" sz="quarter" idx="12"/>
+          </p:nvPr>
+        </p:nvSpPr>
+        <p:spPr/>
+        <p:txBody>
+          <a:bodyPr vert="horz" lIns="91440" tIns="45720" rIns="91440" bIns="45720" rtlCol="0" anchor="ctr"/>
+          <a:lstStyle/>
+          <a:p>
+            <a:fld id="{49ABCAEC-7D34-E549-A96E-FCEDAADBE4B0}" type="slidenum">
+              <a:rPr lang="en-US" sz="2400" b="1" smtClean="0">
+                <a:solidFill>
+                  <a:schemeClr val="tx1"/>
+                </a:solidFill>
+                <a:latin typeface="Arial" panose="020B0604020202020204" pitchFamily="34" charset="0"/>
+                <a:cs typeface="Arial" panose="020B0604020202020204" pitchFamily="34" charset="0"/>
+              </a:rPr>
+              <a:pPr/>
+              <a:t>8</a:t>
             </a:fld>
             <a:endParaRPr lang="en-US" sz="2400" b="1" dirty="0">
               <a:solidFill>
@@ -17581,7 +19363,7 @@
 </p:sld>
 </file>
 
-<file path=ppt/slides/slide8.xml><?xml version="1.0" encoding="utf-8"?>
+<file path=ppt/slides/slide9.xml><?xml version="1.0" encoding="utf-8"?>
 <p:sld xmlns:a="http://schemas.openxmlformats.org/drawingml/2006/main" xmlns:r="http://schemas.openxmlformats.org/officeDocument/2006/relationships" xmlns:p="http://schemas.openxmlformats.org/presentationml/2006/main">
   <p:cSld>
     <p:bg>
@@ -18064,7 +19846,7 @@
                 <a:cs typeface="Arial" panose="020B0604020202020204" pitchFamily="34" charset="0"/>
               </a:rPr>
               <a:pPr/>
-              <a:t>8</a:t>
+              <a:t>9</a:t>
             </a:fld>
             <a:endParaRPr lang="en-US" sz="2400" b="1" dirty="0">
               <a:solidFill>
@@ -18675,541 +20457,6 @@
                                               <p:pRg st="11" end="11"/>
                                             </p:txEl>
                                           </p:spTgt>
-                                        </p:tgtEl>
-                                      </p:cBhvr>
-                                    </p:animEffect>
-                                  </p:childTnLst>
-                                </p:cTn>
-                              </p:par>
-                            </p:childTnLst>
-                          </p:cTn>
-                        </p:par>
-                      </p:childTnLst>
-                    </p:cTn>
-                  </p:par>
-                </p:childTnLst>
-              </p:cTn>
-              <p:prevCondLst>
-                <p:cond evt="onPrev" delay="0">
-                  <p:tgtEl>
-                    <p:sldTgt/>
-                  </p:tgtEl>
-                </p:cond>
-              </p:prevCondLst>
-              <p:nextCondLst>
-                <p:cond evt="onNext" delay="0">
-                  <p:tgtEl>
-                    <p:sldTgt/>
-                  </p:tgtEl>
-                </p:cond>
-              </p:nextCondLst>
-            </p:seq>
-          </p:childTnLst>
-        </p:cTn>
-      </p:par>
-    </p:tnLst>
-    <p:bldLst>
-      <p:bldP spid="2" grpId="0"/>
-      <p:bldP spid="3" grpId="0" build="p"/>
-    </p:bldLst>
-  </p:timing>
-</p:sld>
-</file>
-
-<file path=ppt/slides/slide9.xml><?xml version="1.0" encoding="utf-8"?>
-<p:sld xmlns:a="http://schemas.openxmlformats.org/drawingml/2006/main" xmlns:r="http://schemas.openxmlformats.org/officeDocument/2006/relationships" xmlns:p="http://schemas.openxmlformats.org/presentationml/2006/main">
-  <p:cSld>
-    <p:bg>
-      <p:bgPr>
-        <a:gradFill>
-          <a:gsLst>
-            <a:gs pos="10000">
-              <a:schemeClr val="bg2">
-                <a:tint val="97000"/>
-                <a:hueMod val="92000"/>
-                <a:satMod val="169000"/>
-                <a:lumMod val="164000"/>
-              </a:schemeClr>
-            </a:gs>
-            <a:gs pos="100000">
-              <a:schemeClr val="bg2">
-                <a:shade val="96000"/>
-                <a:satMod val="120000"/>
-                <a:lumMod val="90000"/>
-              </a:schemeClr>
-            </a:gs>
-          </a:gsLst>
-          <a:lin ang="6120000" scaled="1"/>
-        </a:gradFill>
-        <a:effectLst/>
-      </p:bgPr>
-    </p:bg>
-    <p:spTree>
-      <p:nvGrpSpPr>
-        <p:cNvPr id="1" name=""/>
-        <p:cNvGrpSpPr/>
-        <p:nvPr/>
-      </p:nvGrpSpPr>
-      <p:grpSpPr>
-        <a:xfrm>
-          <a:off x="0" y="0"/>
-          <a:ext cx="0" cy="0"/>
-          <a:chOff x="0" y="0"/>
-          <a:chExt cx="0" cy="0"/>
-        </a:xfrm>
-      </p:grpSpPr>
-      <p:sp>
-        <p:nvSpPr>
-          <p:cNvPr id="2" name="标题 1">
-            <a:extLst>
-              <a:ext uri="{FF2B5EF4-FFF2-40B4-BE49-F238E27FC236}">
-                <a16:creationId xmlns:a16="http://schemas.microsoft.com/office/drawing/2014/main" id="{13E67E0E-13CE-C2E4-6A8D-03FC7CD47C2F}"/>
-              </a:ext>
-            </a:extLst>
-          </p:cNvPr>
-          <p:cNvSpPr>
-            <a:spLocks noGrp="1"/>
-          </p:cNvSpPr>
-          <p:nvPr>
-            <p:ph type="title"/>
-          </p:nvPr>
-        </p:nvSpPr>
-        <p:spPr>
-          <a:xfrm>
-            <a:off x="845127" y="365760"/>
-            <a:ext cx="10515600" cy="1154430"/>
-          </a:xfrm>
-        </p:spPr>
-        <p:txBody>
-          <a:bodyPr vert="horz" lIns="91440" tIns="45720" rIns="91440" bIns="45720" rtlCol="0" anchor="b">
-            <a:normAutofit fontScale="90000"/>
-          </a:bodyPr>
-          <a:lstStyle/>
-          <a:p>
-            <a:r>
-              <a:rPr lang="en-US" altLang="zh-CN" sz="4000" b="1" dirty="0">
-                <a:latin typeface="Arial" panose="020B0604020202020204" pitchFamily="34" charset="0"/>
-                <a:cs typeface="Arial" panose="020B0604020202020204" pitchFamily="34" charset="0"/>
-              </a:rPr>
-              <a:t>Quetsions-4: </a:t>
-            </a:r>
-            <a:r>
-              <a:rPr lang="en-US" altLang="zh-CN" sz="4000" dirty="0">
-                <a:latin typeface="Arial" panose="020B0604020202020204" pitchFamily="34" charset="0"/>
-                <a:cs typeface="Arial" panose="020B0604020202020204" pitchFamily="34" charset="0"/>
-              </a:rPr>
-              <a:t>link prediction between driver and constructor.</a:t>
-            </a:r>
-            <a:endParaRPr lang="en-US" altLang="zh-CN" sz="4000" b="1" dirty="0">
-              <a:latin typeface="Arial" panose="020B0604020202020204" pitchFamily="34" charset="0"/>
-              <a:cs typeface="Arial" panose="020B0604020202020204" pitchFamily="34" charset="0"/>
-            </a:endParaRPr>
-          </a:p>
-        </p:txBody>
-      </p:sp>
-      <p:sp>
-        <p:nvSpPr>
-          <p:cNvPr id="3" name="内容占位符 2">
-            <a:extLst>
-              <a:ext uri="{FF2B5EF4-FFF2-40B4-BE49-F238E27FC236}">
-                <a16:creationId xmlns:a16="http://schemas.microsoft.com/office/drawing/2014/main" id="{99DADAB8-A93C-6E96-FF8E-9D26524DA39E}"/>
-              </a:ext>
-            </a:extLst>
-          </p:cNvPr>
-          <p:cNvSpPr>
-            <a:spLocks noGrp="1"/>
-          </p:cNvSpPr>
-          <p:nvPr>
-            <p:ph idx="1"/>
-          </p:nvPr>
-        </p:nvSpPr>
-        <p:spPr>
-          <a:xfrm>
-            <a:off x="845127" y="1520190"/>
-            <a:ext cx="8891234" cy="4659947"/>
-          </a:xfrm>
-        </p:spPr>
-        <p:txBody>
-          <a:bodyPr>
-            <a:normAutofit/>
-          </a:bodyPr>
-          <a:lstStyle/>
-          <a:p>
-            <a:pPr marL="914400" lvl="1" indent="-457200">
-              <a:lnSpc>
-                <a:spcPct val="100000"/>
-              </a:lnSpc>
-              <a:buFont typeface="+mj-lt"/>
-              <a:buAutoNum type="arabicPeriod"/>
-            </a:pPr>
-            <a:endParaRPr lang="en-US" altLang="zh-CN" dirty="0">
-              <a:latin typeface="Arial" panose="020B0604020202020204" pitchFamily="34" charset="0"/>
-              <a:cs typeface="Arial" panose="020B0604020202020204" pitchFamily="34" charset="0"/>
-            </a:endParaRPr>
-          </a:p>
-          <a:p>
-            <a:pPr lvl="1">
-              <a:lnSpc>
-                <a:spcPct val="100000"/>
-              </a:lnSpc>
-            </a:pPr>
-            <a:r>
-              <a:rPr lang="en-US" altLang="zh-CN" dirty="0">
-                <a:latin typeface="Arial" panose="020B0604020202020204" pitchFamily="34" charset="0"/>
-                <a:cs typeface="Arial" panose="020B0604020202020204" pitchFamily="34" charset="0"/>
-              </a:rPr>
-              <a:t>Neo4j Demo (</a:t>
-            </a:r>
-            <a:r>
-              <a:rPr lang="en-US" altLang="zh-CN" dirty="0"/>
-              <a:t>Heterogeneous nodes link prediction</a:t>
-            </a:r>
-            <a:r>
-              <a:rPr lang="en-US" altLang="zh-CN" dirty="0">
-                <a:latin typeface="Arial" panose="020B0604020202020204" pitchFamily="34" charset="0"/>
-                <a:cs typeface="Arial" panose="020B0604020202020204" pitchFamily="34" charset="0"/>
-              </a:rPr>
-              <a:t>) </a:t>
-            </a:r>
-          </a:p>
-          <a:p>
-            <a:pPr lvl="1">
-              <a:lnSpc>
-                <a:spcPct val="100000"/>
-              </a:lnSpc>
-            </a:pPr>
-            <a:endParaRPr lang="zh-CN" altLang="en-US" dirty="0">
-              <a:latin typeface="Arial" panose="020B0604020202020204" pitchFamily="34" charset="0"/>
-              <a:cs typeface="Arial" panose="020B0604020202020204" pitchFamily="34" charset="0"/>
-            </a:endParaRPr>
-          </a:p>
-        </p:txBody>
-      </p:sp>
-      <p:pic>
-        <p:nvPicPr>
-          <p:cNvPr id="76" name="Picture 53" descr="Racecar parked on the tracks">
-            <a:extLst>
-              <a:ext uri="{FF2B5EF4-FFF2-40B4-BE49-F238E27FC236}">
-                <a16:creationId xmlns:a16="http://schemas.microsoft.com/office/drawing/2014/main" id="{D9CB1C28-9F3E-0ECD-C58F-03AA5954E124}"/>
-              </a:ext>
-            </a:extLst>
-          </p:cNvPr>
-          <p:cNvPicPr>
-            <a:picLocks noChangeAspect="1"/>
-          </p:cNvPicPr>
-          <p:nvPr/>
-        </p:nvPicPr>
-        <p:blipFill rotWithShape="1">
-          <a:blip r:embed="rId2">
-            <a:alphaModFix amt="68000"/>
-          </a:blip>
-          <a:srcRect l="4687" r="32700"/>
-          <a:stretch/>
-        </p:blipFill>
-        <p:spPr>
-          <a:xfrm>
-            <a:off x="9736361" y="3879049"/>
-            <a:ext cx="2264389" cy="2477301"/>
-          </a:xfrm>
-          <a:custGeom>
-            <a:avLst/>
-            <a:gdLst/>
-            <a:ahLst/>
-            <a:cxnLst/>
-            <a:rect l="l" t="t" r="r" b="b"/>
-            <a:pathLst>
-              <a:path w="3152439" h="3448851">
-                <a:moveTo>
-                  <a:pt x="409034" y="0"/>
-                </a:moveTo>
-                <a:lnTo>
-                  <a:pt x="3152439" y="0"/>
-                </a:lnTo>
-                <a:lnTo>
-                  <a:pt x="3152439" y="3032147"/>
-                </a:lnTo>
-                <a:lnTo>
-                  <a:pt x="2735735" y="3448851"/>
-                </a:lnTo>
-                <a:lnTo>
-                  <a:pt x="0" y="3448851"/>
-                </a:lnTo>
-                <a:lnTo>
-                  <a:pt x="0" y="409034"/>
-                </a:lnTo>
-                <a:close/>
-              </a:path>
-            </a:pathLst>
-          </a:custGeom>
-          <a:noFill/>
-          <a:ln w="15875">
-            <a:solidFill>
-              <a:srgbClr val="FFFFFF">
-                <a:alpha val="40000"/>
-              </a:srgbClr>
-            </a:solidFill>
-          </a:ln>
-          <a:effectLst>
-            <a:innerShdw blurRad="57150" dist="38100" dir="14460000">
-              <a:prstClr val="black">
-                <a:alpha val="70000"/>
-              </a:prstClr>
-            </a:innerShdw>
-            <a:softEdge rad="127000"/>
-          </a:effectLst>
-        </p:spPr>
-      </p:pic>
-      <p:pic>
-        <p:nvPicPr>
-          <p:cNvPr id="5" name="图片 4">
-            <a:extLst>
-              <a:ext uri="{FF2B5EF4-FFF2-40B4-BE49-F238E27FC236}">
-                <a16:creationId xmlns:a16="http://schemas.microsoft.com/office/drawing/2014/main" id="{BC0EFB3A-A2BA-5C73-D8B6-57FC96226A79}"/>
-              </a:ext>
-            </a:extLst>
-          </p:cNvPr>
-          <p:cNvPicPr>
-            <a:picLocks noChangeAspect="1"/>
-          </p:cNvPicPr>
-          <p:nvPr/>
-        </p:nvPicPr>
-        <p:blipFill>
-          <a:blip r:embed="rId3"/>
-          <a:stretch>
-            <a:fillRect/>
-          </a:stretch>
-        </p:blipFill>
-        <p:spPr>
-          <a:xfrm>
-            <a:off x="845127" y="2575056"/>
-            <a:ext cx="7435042" cy="3917184"/>
-          </a:xfrm>
-          <a:prstGeom prst="rect">
-            <a:avLst/>
-          </a:prstGeom>
-        </p:spPr>
-      </p:pic>
-      <p:sp>
-        <p:nvSpPr>
-          <p:cNvPr id="6" name="灯片编号占位符 5">
-            <a:extLst>
-              <a:ext uri="{FF2B5EF4-FFF2-40B4-BE49-F238E27FC236}">
-                <a16:creationId xmlns:a16="http://schemas.microsoft.com/office/drawing/2014/main" id="{02CA0CA1-F4F3-7FA5-8EA4-A7FB963F7C6E}"/>
-              </a:ext>
-            </a:extLst>
-          </p:cNvPr>
-          <p:cNvSpPr>
-            <a:spLocks noGrp="1"/>
-          </p:cNvSpPr>
-          <p:nvPr>
-            <p:ph type="sldNum" sz="quarter" idx="12"/>
-          </p:nvPr>
-        </p:nvSpPr>
-        <p:spPr/>
-        <p:txBody>
-          <a:bodyPr vert="horz" lIns="91440" tIns="45720" rIns="91440" bIns="45720" rtlCol="0" anchor="ctr"/>
-          <a:lstStyle/>
-          <a:p>
-            <a:fld id="{49ABCAEC-7D34-E549-A96E-FCEDAADBE4B0}" type="slidenum">
-              <a:rPr lang="en-US" sz="2400" b="1" smtClean="0">
-                <a:solidFill>
-                  <a:schemeClr val="tx1"/>
-                </a:solidFill>
-                <a:latin typeface="Arial" panose="020B0604020202020204" pitchFamily="34" charset="0"/>
-                <a:cs typeface="Arial" panose="020B0604020202020204" pitchFamily="34" charset="0"/>
-              </a:rPr>
-              <a:pPr/>
-              <a:t>9</a:t>
-            </a:fld>
-            <a:endParaRPr lang="en-US" sz="2400" b="1" dirty="0">
-              <a:solidFill>
-                <a:schemeClr val="tx1"/>
-              </a:solidFill>
-              <a:latin typeface="Arial" panose="020B0604020202020204" pitchFamily="34" charset="0"/>
-              <a:cs typeface="Arial" panose="020B0604020202020204" pitchFamily="34" charset="0"/>
-            </a:endParaRPr>
-          </a:p>
-        </p:txBody>
-      </p:sp>
-    </p:spTree>
-    <p:extLst>
-      <p:ext uri="{BB962C8B-B14F-4D97-AF65-F5344CB8AC3E}">
-        <p14:creationId xmlns:p14="http://schemas.microsoft.com/office/powerpoint/2010/main" val="2945089763"/>
-      </p:ext>
-    </p:extLst>
-  </p:cSld>
-  <p:clrMapOvr>
-    <a:masterClrMapping/>
-  </p:clrMapOvr>
-  <p:timing>
-    <p:tnLst>
-      <p:par>
-        <p:cTn id="1" dur="indefinite" restart="never" nodeType="tmRoot">
-          <p:childTnLst>
-            <p:seq concurrent="1" nextAc="seek">
-              <p:cTn id="2" dur="indefinite" nodeType="mainSeq">
-                <p:childTnLst>
-                  <p:par>
-                    <p:cTn id="3" fill="hold">
-                      <p:stCondLst>
-                        <p:cond delay="indefinite"/>
-                        <p:cond evt="onBegin" delay="0">
-                          <p:tn val="2"/>
-                        </p:cond>
-                      </p:stCondLst>
-                      <p:childTnLst>
-                        <p:par>
-                          <p:cTn id="4" fill="hold">
-                            <p:stCondLst>
-                              <p:cond delay="0"/>
-                            </p:stCondLst>
-                            <p:childTnLst>
-                              <p:par>
-                                <p:cTn id="5" presetID="10" presetClass="entr" presetSubtype="0" fill="hold" grpId="0" nodeType="withEffect">
-                                  <p:stCondLst>
-                                    <p:cond delay="1000"/>
-                                  </p:stCondLst>
-                                  <p:iterate>
-                                    <p:tmPct val="10000"/>
-                                  </p:iterate>
-                                  <p:childTnLst>
-                                    <p:set>
-                                      <p:cBhvr>
-                                        <p:cTn id="6" dur="1" fill="hold">
-                                          <p:stCondLst>
-                                            <p:cond delay="0"/>
-                                          </p:stCondLst>
-                                        </p:cTn>
-                                        <p:tgtEl>
-                                          <p:spTgt spid="2"/>
-                                        </p:tgtEl>
-                                        <p:attrNameLst>
-                                          <p:attrName>style.visibility</p:attrName>
-                                        </p:attrNameLst>
-                                      </p:cBhvr>
-                                      <p:to>
-                                        <p:strVal val="visible"/>
-                                      </p:to>
-                                    </p:set>
-                                    <p:animEffect transition="in" filter="fade">
-                                      <p:cBhvr>
-                                        <p:cTn id="7" dur="700"/>
-                                        <p:tgtEl>
-                                          <p:spTgt spid="2"/>
-                                        </p:tgtEl>
-                                      </p:cBhvr>
-                                    </p:animEffect>
-                                  </p:childTnLst>
-                                </p:cTn>
-                              </p:par>
-                            </p:childTnLst>
-                          </p:cTn>
-                        </p:par>
-                      </p:childTnLst>
-                    </p:cTn>
-                  </p:par>
-                  <p:par>
-                    <p:cTn id="8" fill="hold">
-                      <p:stCondLst>
-                        <p:cond delay="indefinite"/>
-                      </p:stCondLst>
-                      <p:childTnLst>
-                        <p:par>
-                          <p:cTn id="9" fill="hold">
-                            <p:stCondLst>
-                              <p:cond delay="0"/>
-                            </p:stCondLst>
-                            <p:childTnLst>
-                              <p:par>
-                                <p:cTn id="10" presetID="10" presetClass="entr" presetSubtype="0" fill="hold" grpId="0" nodeType="clickEffect">
-                                  <p:stCondLst>
-                                    <p:cond delay="0"/>
-                                  </p:stCondLst>
-                                  <p:childTnLst>
-                                    <p:set>
-                                      <p:cBhvr>
-                                        <p:cTn id="11" dur="1" fill="hold">
-                                          <p:stCondLst>
-                                            <p:cond delay="0"/>
-                                          </p:stCondLst>
-                                        </p:cTn>
-                                        <p:tgtEl>
-                                          <p:spTgt spid="3">
-                                            <p:txEl>
-                                              <p:pRg st="1" end="1"/>
-                                            </p:txEl>
-                                          </p:spTgt>
-                                        </p:tgtEl>
-                                        <p:attrNameLst>
-                                          <p:attrName>style.visibility</p:attrName>
-                                        </p:attrNameLst>
-                                      </p:cBhvr>
-                                      <p:to>
-                                        <p:strVal val="visible"/>
-                                      </p:to>
-                                    </p:set>
-                                    <p:animEffect transition="in" filter="fade">
-                                      <p:cBhvr>
-                                        <p:cTn id="12" dur="500"/>
-                                        <p:tgtEl>
-                                          <p:spTgt spid="3">
-                                            <p:txEl>
-                                              <p:pRg st="1" end="1"/>
-                                            </p:txEl>
-                                          </p:spTgt>
-                                        </p:tgtEl>
-                                      </p:cBhvr>
-                                    </p:animEffect>
-                                  </p:childTnLst>
-                                </p:cTn>
-                              </p:par>
-                            </p:childTnLst>
-                          </p:cTn>
-                        </p:par>
-                      </p:childTnLst>
-                    </p:cTn>
-                  </p:par>
-                  <p:par>
-                    <p:cTn id="13" fill="hold">
-                      <p:stCondLst>
-                        <p:cond delay="indefinite"/>
-                      </p:stCondLst>
-                      <p:childTnLst>
-                        <p:par>
-                          <p:cTn id="14" fill="hold">
-                            <p:stCondLst>
-                              <p:cond delay="0"/>
-                            </p:stCondLst>
-                            <p:childTnLst>
-                              <p:par>
-                                <p:cTn id="15" presetID="10" presetClass="entr" presetSubtype="0" fill="hold" nodeType="clickEffect">
-                                  <p:stCondLst>
-                                    <p:cond delay="0"/>
-                                  </p:stCondLst>
-                                  <p:childTnLst>
-                                    <p:set>
-                                      <p:cBhvr>
-                                        <p:cTn id="16" dur="1" fill="hold">
-                                          <p:stCondLst>
-                                            <p:cond delay="0"/>
-                                          </p:stCondLst>
-                                        </p:cTn>
-                                        <p:tgtEl>
-                                          <p:spTgt spid="5"/>
-                                        </p:tgtEl>
-                                        <p:attrNameLst>
-                                          <p:attrName>style.visibility</p:attrName>
-                                        </p:attrNameLst>
-                                      </p:cBhvr>
-                                      <p:to>
-                                        <p:strVal val="visible"/>
-                                      </p:to>
-                                    </p:set>
-                                    <p:animEffect transition="in" filter="fade">
-                                      <p:cBhvr>
-                                        <p:cTn id="17" dur="500"/>
-                                        <p:tgtEl>
-                                          <p:spTgt spid="5"/>
                                         </p:tgtEl>
                                       </p:cBhvr>
                                     </p:animEffect>
